--- a/Testare_Unitara_Java.pptx
+++ b/Testare_Unitara_Java.pptx
@@ -8,15 +8,16 @@
     <p:sldId id="256" r:id="rId2"/>
     <p:sldId id="257" r:id="rId3"/>
     <p:sldId id="259" r:id="rId4"/>
-    <p:sldId id="260" r:id="rId5"/>
-    <p:sldId id="258" r:id="rId6"/>
-    <p:sldId id="261" r:id="rId7"/>
-    <p:sldId id="262" r:id="rId8"/>
-    <p:sldId id="263" r:id="rId9"/>
-    <p:sldId id="264" r:id="rId10"/>
-    <p:sldId id="265" r:id="rId11"/>
-    <p:sldId id="266" r:id="rId12"/>
-    <p:sldId id="267" r:id="rId13"/>
+    <p:sldId id="268" r:id="rId5"/>
+    <p:sldId id="260" r:id="rId6"/>
+    <p:sldId id="258" r:id="rId7"/>
+    <p:sldId id="261" r:id="rId8"/>
+    <p:sldId id="262" r:id="rId9"/>
+    <p:sldId id="263" r:id="rId10"/>
+    <p:sldId id="264" r:id="rId11"/>
+    <p:sldId id="265" r:id="rId12"/>
+    <p:sldId id="266" r:id="rId13"/>
+    <p:sldId id="267" r:id="rId14"/>
   </p:sldIdLst>
   <p:sldSz cx="12192000" cy="6858000"/>
   <p:notesSz cx="6858000" cy="9144000"/>
@@ -309,7 +310,7 @@
           <a:p>
             <a:fld id="{D2709521-01DC-4B7F-9ED5-B0D339837FB7}" type="datetimeFigureOut">
               <a:rPr lang="LID4096" smtClean="0"/>
-              <a:t>04/24/2024</a:t>
+              <a:t>05/12/2024</a:t>
             </a:fld>
             <a:endParaRPr lang="LID4096"/>
           </a:p>
@@ -584,7 +585,7 @@
           <a:p>
             <a:fld id="{D2709521-01DC-4B7F-9ED5-B0D339837FB7}" type="datetimeFigureOut">
               <a:rPr lang="LID4096" smtClean="0"/>
-              <a:t>04/24/2024</a:t>
+              <a:t>05/12/2024</a:t>
             </a:fld>
             <a:endParaRPr lang="LID4096"/>
           </a:p>
@@ -778,7 +779,7 @@
           <a:p>
             <a:fld id="{D2709521-01DC-4B7F-9ED5-B0D339837FB7}" type="datetimeFigureOut">
               <a:rPr lang="LID4096" smtClean="0"/>
-              <a:t>04/24/2024</a:t>
+              <a:t>05/12/2024</a:t>
             </a:fld>
             <a:endParaRPr lang="LID4096"/>
           </a:p>
@@ -1051,7 +1052,7 @@
           <a:p>
             <a:fld id="{D2709521-01DC-4B7F-9ED5-B0D339837FB7}" type="datetimeFigureOut">
               <a:rPr lang="LID4096" smtClean="0"/>
-              <a:t>04/24/2024</a:t>
+              <a:t>05/12/2024</a:t>
             </a:fld>
             <a:endParaRPr lang="LID4096"/>
           </a:p>
@@ -1392,7 +1393,7 @@
           <a:p>
             <a:fld id="{D2709521-01DC-4B7F-9ED5-B0D339837FB7}" type="datetimeFigureOut">
               <a:rPr lang="LID4096" smtClean="0"/>
-              <a:t>04/24/2024</a:t>
+              <a:t>05/12/2024</a:t>
             </a:fld>
             <a:endParaRPr lang="LID4096"/>
           </a:p>
@@ -2015,7 +2016,7 @@
           <a:p>
             <a:fld id="{D2709521-01DC-4B7F-9ED5-B0D339837FB7}" type="datetimeFigureOut">
               <a:rPr lang="LID4096" smtClean="0"/>
-              <a:t>04/24/2024</a:t>
+              <a:t>05/12/2024</a:t>
             </a:fld>
             <a:endParaRPr lang="LID4096"/>
           </a:p>
@@ -2875,7 +2876,7 @@
           <a:p>
             <a:fld id="{D2709521-01DC-4B7F-9ED5-B0D339837FB7}" type="datetimeFigureOut">
               <a:rPr lang="LID4096" smtClean="0"/>
-              <a:t>04/24/2024</a:t>
+              <a:t>05/12/2024</a:t>
             </a:fld>
             <a:endParaRPr lang="LID4096"/>
           </a:p>
@@ -3045,7 +3046,7 @@
           <a:p>
             <a:fld id="{D2709521-01DC-4B7F-9ED5-B0D339837FB7}" type="datetimeFigureOut">
               <a:rPr lang="LID4096" smtClean="0"/>
-              <a:t>04/24/2024</a:t>
+              <a:t>05/12/2024</a:t>
             </a:fld>
             <a:endParaRPr lang="LID4096"/>
           </a:p>
@@ -3225,7 +3226,7 @@
           <a:p>
             <a:fld id="{D2709521-01DC-4B7F-9ED5-B0D339837FB7}" type="datetimeFigureOut">
               <a:rPr lang="LID4096" smtClean="0"/>
-              <a:t>04/24/2024</a:t>
+              <a:t>05/12/2024</a:t>
             </a:fld>
             <a:endParaRPr lang="LID4096"/>
           </a:p>
@@ -3395,7 +3396,7 @@
           <a:p>
             <a:fld id="{D2709521-01DC-4B7F-9ED5-B0D339837FB7}" type="datetimeFigureOut">
               <a:rPr lang="LID4096" smtClean="0"/>
-              <a:t>04/24/2024</a:t>
+              <a:t>05/12/2024</a:t>
             </a:fld>
             <a:endParaRPr lang="LID4096"/>
           </a:p>
@@ -3642,7 +3643,7 @@
           <a:p>
             <a:fld id="{D2709521-01DC-4B7F-9ED5-B0D339837FB7}" type="datetimeFigureOut">
               <a:rPr lang="LID4096" smtClean="0"/>
-              <a:t>04/24/2024</a:t>
+              <a:t>05/12/2024</a:t>
             </a:fld>
             <a:endParaRPr lang="LID4096"/>
           </a:p>
@@ -3934,7 +3935,7 @@
           <a:p>
             <a:fld id="{D2709521-01DC-4B7F-9ED5-B0D339837FB7}" type="datetimeFigureOut">
               <a:rPr lang="LID4096" smtClean="0"/>
-              <a:t>04/24/2024</a:t>
+              <a:t>05/12/2024</a:t>
             </a:fld>
             <a:endParaRPr lang="LID4096"/>
           </a:p>
@@ -4378,7 +4379,7 @@
           <a:p>
             <a:fld id="{D2709521-01DC-4B7F-9ED5-B0D339837FB7}" type="datetimeFigureOut">
               <a:rPr lang="LID4096" smtClean="0"/>
-              <a:t>04/24/2024</a:t>
+              <a:t>05/12/2024</a:t>
             </a:fld>
             <a:endParaRPr lang="LID4096"/>
           </a:p>
@@ -4496,7 +4497,7 @@
           <a:p>
             <a:fld id="{D2709521-01DC-4B7F-9ED5-B0D339837FB7}" type="datetimeFigureOut">
               <a:rPr lang="LID4096" smtClean="0"/>
-              <a:t>04/24/2024</a:t>
+              <a:t>05/12/2024</a:t>
             </a:fld>
             <a:endParaRPr lang="LID4096"/>
           </a:p>
@@ -4591,7 +4592,7 @@
           <a:p>
             <a:fld id="{D2709521-01DC-4B7F-9ED5-B0D339837FB7}" type="datetimeFigureOut">
               <a:rPr lang="LID4096" smtClean="0"/>
-              <a:t>04/24/2024</a:t>
+              <a:t>05/12/2024</a:t>
             </a:fld>
             <a:endParaRPr lang="LID4096"/>
           </a:p>
@@ -4870,7 +4871,7 @@
           <a:p>
             <a:fld id="{D2709521-01DC-4B7F-9ED5-B0D339837FB7}" type="datetimeFigureOut">
               <a:rPr lang="LID4096" smtClean="0"/>
-              <a:t>04/24/2024</a:t>
+              <a:t>05/12/2024</a:t>
             </a:fld>
             <a:endParaRPr lang="LID4096"/>
           </a:p>
@@ -5145,7 +5146,7 @@
           <a:p>
             <a:fld id="{D2709521-01DC-4B7F-9ED5-B0D339837FB7}" type="datetimeFigureOut">
               <a:rPr lang="LID4096" smtClean="0"/>
-              <a:t>04/24/2024</a:t>
+              <a:t>05/12/2024</a:t>
             </a:fld>
             <a:endParaRPr lang="LID4096"/>
           </a:p>
@@ -5574,7 +5575,7 @@
           <a:p>
             <a:fld id="{D2709521-01DC-4B7F-9ED5-B0D339837FB7}" type="datetimeFigureOut">
               <a:rPr lang="LID4096" smtClean="0"/>
-              <a:t>04/24/2024</a:t>
+              <a:t>05/12/2024</a:t>
             </a:fld>
             <a:endParaRPr lang="LID4096"/>
           </a:p>
@@ -6231,6 +6232,110 @@
           <p:cNvPr id="2" name="Title 1">
             <a:extLst>
               <a:ext uri="{FF2B5EF4-FFF2-40B4-BE49-F238E27FC236}">
+                <a16:creationId xmlns:a16="http://schemas.microsoft.com/office/drawing/2014/main" id="{038CB330-301D-2FC5-1B1F-CAD5696A6C12}"/>
+              </a:ext>
+            </a:extLst>
+          </p:cNvPr>
+          <p:cNvSpPr>
+            <a:spLocks noGrp="1"/>
+          </p:cNvSpPr>
+          <p:nvPr>
+            <p:ph type="title"/>
+          </p:nvPr>
+        </p:nvSpPr>
+        <p:spPr/>
+        <p:txBody>
+          <a:bodyPr/>
+          <a:lstStyle/>
+          <a:p>
+            <a:r>
+              <a:rPr lang="en-US"/>
+              <a:t>Generarea testelor</a:t>
+            </a:r>
+            <a:endParaRPr lang="LID4096"/>
+          </a:p>
+        </p:txBody>
+      </p:sp>
+      <p:sp>
+        <p:nvSpPr>
+          <p:cNvPr id="3" name="Content Placeholder 2">
+            <a:extLst>
+              <a:ext uri="{FF2B5EF4-FFF2-40B4-BE49-F238E27FC236}">
+                <a16:creationId xmlns:a16="http://schemas.microsoft.com/office/drawing/2014/main" id="{C71331FF-76AC-CAFA-FFA7-4231DA9EA8FE}"/>
+              </a:ext>
+            </a:extLst>
+          </p:cNvPr>
+          <p:cNvSpPr>
+            <a:spLocks noGrp="1"/>
+          </p:cNvSpPr>
+          <p:nvPr>
+            <p:ph idx="1"/>
+          </p:nvPr>
+        </p:nvSpPr>
+        <p:spPr>
+          <a:xfrm>
+            <a:off x="645132" y="1479666"/>
+            <a:ext cx="9404722" cy="4768734"/>
+          </a:xfrm>
+        </p:spPr>
+        <p:txBody>
+          <a:bodyPr/>
+          <a:lstStyle/>
+          <a:p>
+            <a:r>
+              <a:rPr lang="en-US"/>
+              <a:t>In total au fost generate 42 de teste pentru acoperirea fiecarui caz posibil, insa nu au fost scrise de mana</a:t>
+            </a:r>
+          </a:p>
+          <a:p>
+            <a:r>
+              <a:rPr lang="en-US"/>
+              <a:t>Am facut un script scurt in python care a generat prin backtracking liniile de cod, dat fiind ca testele au aceeasi structura, singurele diferente fiind valorile parametrilor</a:t>
+            </a:r>
+          </a:p>
+          <a:p>
+            <a:pPr marL="0" indent="0">
+              <a:buNone/>
+            </a:pPr>
+            <a:endParaRPr lang="LID4096"/>
+          </a:p>
+        </p:txBody>
+      </p:sp>
+    </p:spTree>
+    <p:extLst>
+      <p:ext uri="{BB962C8B-B14F-4D97-AF65-F5344CB8AC3E}">
+        <p14:creationId xmlns:p14="http://schemas.microsoft.com/office/powerpoint/2010/main" val="1860902808"/>
+      </p:ext>
+    </p:extLst>
+  </p:cSld>
+  <p:clrMapOvr>
+    <a:masterClrMapping/>
+  </p:clrMapOvr>
+</p:sld>
+</file>
+
+<file path=ppt/slides/slide11.xml><?xml version="1.0" encoding="utf-8"?>
+<p:sld xmlns:a="http://schemas.openxmlformats.org/drawingml/2006/main" xmlns:r="http://schemas.openxmlformats.org/officeDocument/2006/relationships" xmlns:p="http://schemas.openxmlformats.org/presentationml/2006/main">
+  <p:cSld>
+    <p:spTree>
+      <p:nvGrpSpPr>
+        <p:cNvPr id="1" name=""/>
+        <p:cNvGrpSpPr/>
+        <p:nvPr/>
+      </p:nvGrpSpPr>
+      <p:grpSpPr>
+        <a:xfrm>
+          <a:off x="0" y="0"/>
+          <a:ext cx="0" cy="0"/>
+          <a:chOff x="0" y="0"/>
+          <a:chExt cx="0" cy="0"/>
+        </a:xfrm>
+      </p:grpSpPr>
+      <p:sp>
+        <p:nvSpPr>
+          <p:cNvPr id="2" name="Title 1">
+            <a:extLst>
+              <a:ext uri="{FF2B5EF4-FFF2-40B4-BE49-F238E27FC236}">
                 <a16:creationId xmlns:a16="http://schemas.microsoft.com/office/drawing/2014/main" id="{0ED5B48E-9750-25B6-4B77-AB1F98123EFF}"/>
               </a:ext>
             </a:extLst>
@@ -6297,7 +6402,7 @@
 </p:sld>
 </file>
 
-<file path=ppt/slides/slide11.xml><?xml version="1.0" encoding="utf-8"?>
+<file path=ppt/slides/slide12.xml><?xml version="1.0" encoding="utf-8"?>
 <p:sld xmlns:a="http://schemas.openxmlformats.org/drawingml/2006/main" xmlns:r="http://schemas.openxmlformats.org/officeDocument/2006/relationships" xmlns:p="http://schemas.openxmlformats.org/presentationml/2006/main">
   <p:cSld>
     <p:spTree>
@@ -6430,7 +6535,7 @@
 </p:sld>
 </file>
 
-<file path=ppt/slides/slide12.xml><?xml version="1.0" encoding="utf-8"?>
+<file path=ppt/slides/slide13.xml><?xml version="1.0" encoding="utf-8"?>
 <p:sld xmlns:a="http://schemas.openxmlformats.org/drawingml/2006/main" xmlns:r="http://schemas.openxmlformats.org/officeDocument/2006/relationships" xmlns:p="http://schemas.openxmlformats.org/presentationml/2006/main">
   <p:cSld>
     <p:spTree>
@@ -7112,67 +7217,84 @@
           <a:lstStyle/>
           <a:p>
             <a:r>
-              <a:rPr lang="en-US"/>
-              <a:t>Tax Calculator Test</a:t>
-            </a:r>
-            <a:endParaRPr lang="LID4096"/>
-          </a:p>
-        </p:txBody>
-      </p:sp>
-      <p:sp>
-        <p:nvSpPr>
-          <p:cNvPr id="3" name="Content Placeholder 2">
+              <a:rPr lang="en-US" dirty="0"/>
+              <a:t>Control Flow Graph</a:t>
+            </a:r>
+            <a:endParaRPr lang="LID4096" dirty="0"/>
+          </a:p>
+        </p:txBody>
+      </p:sp>
+      <p:pic>
+        <p:nvPicPr>
+          <p:cNvPr id="7" name="Picture 6">
             <a:extLst>
               <a:ext uri="{FF2B5EF4-FFF2-40B4-BE49-F238E27FC236}">
-                <a16:creationId xmlns:a16="http://schemas.microsoft.com/office/drawing/2014/main" id="{1A724057-8FF7-D806-ABE8-C04633970BEC}"/>
+                <a16:creationId xmlns:a16="http://schemas.microsoft.com/office/drawing/2014/main" id="{15EAA7DD-9EA8-1E6A-2EB2-D02123C8922E}"/>
               </a:ext>
             </a:extLst>
           </p:cNvPr>
-          <p:cNvSpPr>
-            <a:spLocks noGrp="1"/>
-          </p:cNvSpPr>
-          <p:nvPr>
-            <p:ph idx="1"/>
-          </p:nvPr>
-        </p:nvSpPr>
+          <p:cNvPicPr>
+            <a:picLocks noChangeAspect="1"/>
+          </p:cNvPicPr>
+          <p:nvPr/>
+        </p:nvPicPr>
+        <p:blipFill rotWithShape="1">
+          <a:blip r:embed="rId2">
+            <a:extLst>
+              <a:ext uri="{28A0092B-C50C-407E-A947-70E740481C1C}">
+                <a14:useLocalDpi xmlns:a14="http://schemas.microsoft.com/office/drawing/2010/main" val="0"/>
+              </a:ext>
+            </a:extLst>
+          </a:blip>
+          <a:srcRect t="1590" b="1590"/>
+          <a:stretch/>
+        </p:blipFill>
         <p:spPr>
           <a:xfrm>
-            <a:off x="645132" y="2052918"/>
-            <a:ext cx="9404722" cy="4195481"/>
+            <a:off x="8526513" y="259459"/>
+            <a:ext cx="2289010" cy="5942281"/>
           </a:xfrm>
+          <a:prstGeom prst="rect">
+            <a:avLst/>
+          </a:prstGeom>
         </p:spPr>
-        <p:txBody>
-          <a:bodyPr/>
-          <a:lstStyle/>
-          <a:p>
-            <a:pPr marL="0" indent="0">
-              <a:buNone/>
-            </a:pPr>
-            <a:r>
-              <a:rPr lang="en-US"/>
-              <a:t>Testele au fost alese pentru a acoperi: </a:t>
-            </a:r>
-          </a:p>
-          <a:p>
-            <a:r>
-              <a:rPr lang="en-US"/>
-              <a:t>Toate clasele de echivalenta</a:t>
-            </a:r>
-          </a:p>
-          <a:p>
-            <a:r>
-              <a:rPr lang="en-US"/>
-              <a:t>Toate valorile de frontiera</a:t>
-            </a:r>
-          </a:p>
-          <a:p>
-            <a:r>
-              <a:rPr lang="en-US"/>
-              <a:t>Valori invalide</a:t>
-            </a:r>
-          </a:p>
-        </p:txBody>
-      </p:sp>
+      </p:pic>
+      <p:pic>
+        <p:nvPicPr>
+          <p:cNvPr id="9" name="Picture 8">
+            <a:extLst>
+              <a:ext uri="{FF2B5EF4-FFF2-40B4-BE49-F238E27FC236}">
+                <a16:creationId xmlns:a16="http://schemas.microsoft.com/office/drawing/2014/main" id="{3649241A-6E9C-A943-FD78-C8F94BBF9828}"/>
+              </a:ext>
+            </a:extLst>
+          </p:cNvPr>
+          <p:cNvPicPr>
+            <a:picLocks noChangeAspect="1"/>
+          </p:cNvPicPr>
+          <p:nvPr/>
+        </p:nvPicPr>
+        <p:blipFill>
+          <a:blip r:embed="rId3">
+            <a:extLst>
+              <a:ext uri="{28A0092B-C50C-407E-A947-70E740481C1C}">
+                <a14:useLocalDpi xmlns:a14="http://schemas.microsoft.com/office/drawing/2010/main" val="0"/>
+              </a:ext>
+            </a:extLst>
+          </a:blip>
+          <a:stretch>
+            <a:fillRect/>
+          </a:stretch>
+        </p:blipFill>
+        <p:spPr>
+          <a:xfrm>
+            <a:off x="525126" y="1741201"/>
+            <a:ext cx="7083848" cy="4460539"/>
+          </a:xfrm>
+          <a:prstGeom prst="rect">
+            <a:avLst/>
+          </a:prstGeom>
+        </p:spPr>
+      </p:pic>
     </p:spTree>
     <p:extLst>
       <p:ext uri="{BB962C8B-B14F-4D97-AF65-F5344CB8AC3E}">
@@ -7187,6 +7309,119 @@
 </file>
 
 <file path=ppt/slides/slide4.xml><?xml version="1.0" encoding="utf-8"?>
+<p:sld xmlns:a="http://schemas.openxmlformats.org/drawingml/2006/main" xmlns:r="http://schemas.openxmlformats.org/officeDocument/2006/relationships" xmlns:p="http://schemas.openxmlformats.org/presentationml/2006/main">
+  <p:cSld>
+    <p:spTree>
+      <p:nvGrpSpPr>
+        <p:cNvPr id="1" name=""/>
+        <p:cNvGrpSpPr/>
+        <p:nvPr/>
+      </p:nvGrpSpPr>
+      <p:grpSpPr>
+        <a:xfrm>
+          <a:off x="0" y="0"/>
+          <a:ext cx="0" cy="0"/>
+          <a:chOff x="0" y="0"/>
+          <a:chExt cx="0" cy="0"/>
+        </a:xfrm>
+      </p:grpSpPr>
+      <p:sp>
+        <p:nvSpPr>
+          <p:cNvPr id="2" name="Title 1">
+            <a:extLst>
+              <a:ext uri="{FF2B5EF4-FFF2-40B4-BE49-F238E27FC236}">
+                <a16:creationId xmlns:a16="http://schemas.microsoft.com/office/drawing/2014/main" id="{83BE4F6E-707E-FB95-6A65-73DEB2ECCA7D}"/>
+              </a:ext>
+            </a:extLst>
+          </p:cNvPr>
+          <p:cNvSpPr>
+            <a:spLocks noGrp="1"/>
+          </p:cNvSpPr>
+          <p:nvPr>
+            <p:ph type="title"/>
+          </p:nvPr>
+        </p:nvSpPr>
+        <p:spPr/>
+        <p:txBody>
+          <a:bodyPr/>
+          <a:lstStyle/>
+          <a:p>
+            <a:r>
+              <a:rPr lang="en-US"/>
+              <a:t>Tax Calculator Test</a:t>
+            </a:r>
+            <a:endParaRPr lang="LID4096"/>
+          </a:p>
+        </p:txBody>
+      </p:sp>
+      <p:sp>
+        <p:nvSpPr>
+          <p:cNvPr id="3" name="Content Placeholder 2">
+            <a:extLst>
+              <a:ext uri="{FF2B5EF4-FFF2-40B4-BE49-F238E27FC236}">
+                <a16:creationId xmlns:a16="http://schemas.microsoft.com/office/drawing/2014/main" id="{1A724057-8FF7-D806-ABE8-C04633970BEC}"/>
+              </a:ext>
+            </a:extLst>
+          </p:cNvPr>
+          <p:cNvSpPr>
+            <a:spLocks noGrp="1"/>
+          </p:cNvSpPr>
+          <p:nvPr>
+            <p:ph idx="1"/>
+          </p:nvPr>
+        </p:nvSpPr>
+        <p:spPr>
+          <a:xfrm>
+            <a:off x="645132" y="2052918"/>
+            <a:ext cx="9404722" cy="4195481"/>
+          </a:xfrm>
+        </p:spPr>
+        <p:txBody>
+          <a:bodyPr/>
+          <a:lstStyle/>
+          <a:p>
+            <a:pPr marL="0" indent="0">
+              <a:buNone/>
+            </a:pPr>
+            <a:r>
+              <a:rPr lang="en-US"/>
+              <a:t>Testele au fost alese pentru a acoperi: </a:t>
+            </a:r>
+          </a:p>
+          <a:p>
+            <a:r>
+              <a:rPr lang="en-US"/>
+              <a:t>Toate clasele de echivalenta</a:t>
+            </a:r>
+          </a:p>
+          <a:p>
+            <a:r>
+              <a:rPr lang="en-US"/>
+              <a:t>Toate valorile de frontiera</a:t>
+            </a:r>
+          </a:p>
+          <a:p>
+            <a:r>
+              <a:rPr lang="en-US"/>
+              <a:t>Valori invalide</a:t>
+            </a:r>
+          </a:p>
+        </p:txBody>
+      </p:sp>
+    </p:spTree>
+    <p:extLst>
+      <p:ext uri="{BB962C8B-B14F-4D97-AF65-F5344CB8AC3E}">
+        <p14:creationId xmlns:p14="http://schemas.microsoft.com/office/powerpoint/2010/main" val="2367893244"/>
+      </p:ext>
+    </p:extLst>
+  </p:cSld>
+  <p:clrMapOvr>
+    <a:masterClrMapping/>
+  </p:clrMapOvr>
+</p:sld>
+</file>
+
+<file path=ppt/slides/slide5.xml><?xml version="1.0" encoding="utf-8"?>
 <p:sld xmlns:a="http://schemas.openxmlformats.org/drawingml/2006/main" xmlns:r="http://schemas.openxmlformats.org/officeDocument/2006/relationships" xmlns:p="http://schemas.openxmlformats.org/presentationml/2006/main">
   <p:cSld>
     <p:spTree>
@@ -7386,7 +7621,7 @@
 </p:sld>
 </file>
 
-<file path=ppt/slides/slide5.xml><?xml version="1.0" encoding="utf-8"?>
+<file path=ppt/slides/slide6.xml><?xml version="1.0" encoding="utf-8"?>
 <p:sld xmlns:a="http://schemas.openxmlformats.org/drawingml/2006/main" xmlns:r="http://schemas.openxmlformats.org/officeDocument/2006/relationships" xmlns:p="http://schemas.openxmlformats.org/presentationml/2006/main">
   <p:cSld>
     <p:spTree>
@@ -7589,7 +7824,7 @@
 </p:sld>
 </file>
 
-<file path=ppt/slides/slide6.xml><?xml version="1.0" encoding="utf-8"?>
+<file path=ppt/slides/slide7.xml><?xml version="1.0" encoding="utf-8"?>
 <p:sld xmlns:a="http://schemas.openxmlformats.org/drawingml/2006/main" xmlns:r="http://schemas.openxmlformats.org/officeDocument/2006/relationships" xmlns:p="http://schemas.openxmlformats.org/presentationml/2006/main">
   <p:cSld>
     <p:spTree>
@@ -7677,125 +7912,6 @@
 </p:sld>
 </file>
 
-<file path=ppt/slides/slide7.xml><?xml version="1.0" encoding="utf-8"?>
-<p:sld xmlns:a="http://schemas.openxmlformats.org/drawingml/2006/main" xmlns:r="http://schemas.openxmlformats.org/officeDocument/2006/relationships" xmlns:p="http://schemas.openxmlformats.org/presentationml/2006/main">
-  <p:cSld>
-    <p:spTree>
-      <p:nvGrpSpPr>
-        <p:cNvPr id="1" name=""/>
-        <p:cNvGrpSpPr/>
-        <p:nvPr/>
-      </p:nvGrpSpPr>
-      <p:grpSpPr>
-        <a:xfrm>
-          <a:off x="0" y="0"/>
-          <a:ext cx="0" cy="0"/>
-          <a:chOff x="0" y="0"/>
-          <a:chExt cx="0" cy="0"/>
-        </a:xfrm>
-      </p:grpSpPr>
-      <p:sp>
-        <p:nvSpPr>
-          <p:cNvPr id="2" name="Title 1">
-            <a:extLst>
-              <a:ext uri="{FF2B5EF4-FFF2-40B4-BE49-F238E27FC236}">
-                <a16:creationId xmlns:a16="http://schemas.microsoft.com/office/drawing/2014/main" id="{7DC02772-DE16-A29A-E0AF-ED21ABD90859}"/>
-              </a:ext>
-            </a:extLst>
-          </p:cNvPr>
-          <p:cNvSpPr>
-            <a:spLocks noGrp="1"/>
-          </p:cNvSpPr>
-          <p:nvPr>
-            <p:ph type="title"/>
-          </p:nvPr>
-        </p:nvSpPr>
-        <p:spPr/>
-        <p:txBody>
-          <a:bodyPr/>
-          <a:lstStyle/>
-          <a:p>
-            <a:r>
-              <a:rPr lang="en-US"/>
-              <a:t>Tax Calculator Test – Boundary Values</a:t>
-            </a:r>
-            <a:endParaRPr lang="LID4096"/>
-          </a:p>
-        </p:txBody>
-      </p:sp>
-      <p:sp>
-        <p:nvSpPr>
-          <p:cNvPr id="3" name="Content Placeholder 2">
-            <a:extLst>
-              <a:ext uri="{FF2B5EF4-FFF2-40B4-BE49-F238E27FC236}">
-                <a16:creationId xmlns:a16="http://schemas.microsoft.com/office/drawing/2014/main" id="{6D5C8E4E-CECB-8C08-3E1B-29D0D3268BDB}"/>
-              </a:ext>
-            </a:extLst>
-          </p:cNvPr>
-          <p:cNvSpPr>
-            <a:spLocks noGrp="1"/>
-          </p:cNvSpPr>
-          <p:nvPr>
-            <p:ph idx="1"/>
-          </p:nvPr>
-        </p:nvSpPr>
-        <p:spPr>
-          <a:xfrm>
-            <a:off x="645130" y="2052918"/>
-            <a:ext cx="9404723" cy="4195481"/>
-          </a:xfrm>
-        </p:spPr>
-        <p:txBody>
-          <a:bodyPr/>
-          <a:lstStyle/>
-          <a:p>
-            <a:pPr marL="0" indent="0">
-              <a:buNone/>
-            </a:pPr>
-            <a:r>
-              <a:rPr lang="en-US"/>
-              <a:t>Similar, valorile de frontiera sunt testate exhaustiv pentru toate posibilitatile, se taxeaza diferit pentru:</a:t>
-            </a:r>
-          </a:p>
-          <a:p>
-            <a:r>
-              <a:rPr lang="en-US"/>
-              <a:t>Salariu (low, 0 – 3000; medium, 3001 – 6000; high, 6001+)</a:t>
-            </a:r>
-          </a:p>
-          <a:p>
-            <a:r>
-              <a:rPr lang="en-US"/>
-              <a:t>Dividende (low, 0 – 10000; high, 10001+)</a:t>
-            </a:r>
-          </a:p>
-          <a:p>
-            <a:pPr marL="0" indent="0">
-              <a:buNone/>
-            </a:pPr>
-            <a:r>
-              <a:rPr lang="en-US"/>
-              <a:t>In fiecare caz se testeaza valorile cele mai mici si cele mai mari din clasele de echivalenta pentru aceste intervale, iar in total au fost generate 15 teste pentru valorile de frontiera (5 x 3)</a:t>
-            </a:r>
-          </a:p>
-          <a:p>
-            <a:endParaRPr lang="en-US"/>
-          </a:p>
-        </p:txBody>
-      </p:sp>
-    </p:spTree>
-    <p:extLst>
-      <p:ext uri="{BB962C8B-B14F-4D97-AF65-F5344CB8AC3E}">
-        <p14:creationId xmlns:p14="http://schemas.microsoft.com/office/powerpoint/2010/main" val="3771704117"/>
-      </p:ext>
-    </p:extLst>
-  </p:cSld>
-  <p:clrMapOvr>
-    <a:masterClrMapping/>
-  </p:clrMapOvr>
-</p:sld>
-</file>
-
 <file path=ppt/slides/slide8.xml><?xml version="1.0" encoding="utf-8"?>
 <p:sld xmlns:a="http://schemas.openxmlformats.org/drawingml/2006/main" xmlns:r="http://schemas.openxmlformats.org/officeDocument/2006/relationships" xmlns:p="http://schemas.openxmlformats.org/presentationml/2006/main">
   <p:cSld>
@@ -7818,7 +7934,7 @@
           <p:cNvPr id="2" name="Title 1">
             <a:extLst>
               <a:ext uri="{FF2B5EF4-FFF2-40B4-BE49-F238E27FC236}">
-                <a16:creationId xmlns:a16="http://schemas.microsoft.com/office/drawing/2014/main" id="{4CBB0E70-F6EA-969B-00B7-FA4DD6CAB3B3}"/>
+                <a16:creationId xmlns:a16="http://schemas.microsoft.com/office/drawing/2014/main" id="{7DC02772-DE16-A29A-E0AF-ED21ABD90859}"/>
               </a:ext>
             </a:extLst>
           </p:cNvPr>
@@ -7842,39 +7958,70 @@
           </a:p>
         </p:txBody>
       </p:sp>
-      <p:pic>
-        <p:nvPicPr>
-          <p:cNvPr id="5" name="Content Placeholder 4">
+      <p:sp>
+        <p:nvSpPr>
+          <p:cNvPr id="3" name="Content Placeholder 2">
             <a:extLst>
               <a:ext uri="{FF2B5EF4-FFF2-40B4-BE49-F238E27FC236}">
-                <a16:creationId xmlns:a16="http://schemas.microsoft.com/office/drawing/2014/main" id="{B091F954-D129-9A6C-49B9-A1FC01264510}"/>
+                <a16:creationId xmlns:a16="http://schemas.microsoft.com/office/drawing/2014/main" id="{6D5C8E4E-CECB-8C08-3E1B-29D0D3268BDB}"/>
               </a:ext>
             </a:extLst>
           </p:cNvPr>
-          <p:cNvPicPr>
-            <a:picLocks noGrp="1" noChangeAspect="1"/>
-          </p:cNvPicPr>
+          <p:cNvSpPr>
+            <a:spLocks noGrp="1"/>
+          </p:cNvSpPr>
           <p:nvPr>
             <p:ph idx="1"/>
           </p:nvPr>
-        </p:nvPicPr>
-        <p:blipFill>
-          <a:blip r:embed="rId2"/>
-          <a:stretch>
-            <a:fillRect/>
-          </a:stretch>
-        </p:blipFill>
+        </p:nvSpPr>
         <p:spPr>
           <a:xfrm>
-            <a:off x="646111" y="1853247"/>
-            <a:ext cx="10953412" cy="4198417"/>
+            <a:off x="645130" y="2052918"/>
+            <a:ext cx="9404723" cy="4195481"/>
           </a:xfrm>
         </p:spPr>
-      </p:pic>
+        <p:txBody>
+          <a:bodyPr/>
+          <a:lstStyle/>
+          <a:p>
+            <a:pPr marL="0" indent="0">
+              <a:buNone/>
+            </a:pPr>
+            <a:r>
+              <a:rPr lang="en-US"/>
+              <a:t>Similar, valorile de frontiera sunt testate exhaustiv pentru toate posibilitatile, se taxeaza diferit pentru:</a:t>
+            </a:r>
+          </a:p>
+          <a:p>
+            <a:r>
+              <a:rPr lang="en-US"/>
+              <a:t>Salariu (low, 0 – 3000; medium, 3001 – 6000; high, 6001+)</a:t>
+            </a:r>
+          </a:p>
+          <a:p>
+            <a:r>
+              <a:rPr lang="en-US"/>
+              <a:t>Dividende (low, 0 – 10000; high, 10001+)</a:t>
+            </a:r>
+          </a:p>
+          <a:p>
+            <a:pPr marL="0" indent="0">
+              <a:buNone/>
+            </a:pPr>
+            <a:r>
+              <a:rPr lang="en-US"/>
+              <a:t>In fiecare caz se testeaza valorile cele mai mici si cele mai mari din clasele de echivalenta pentru aceste intervale, iar in total au fost generate 15 teste pentru valorile de frontiera (5 x 3)</a:t>
+            </a:r>
+          </a:p>
+          <a:p>
+            <a:endParaRPr lang="en-US"/>
+          </a:p>
+        </p:txBody>
+      </p:sp>
     </p:spTree>
     <p:extLst>
       <p:ext uri="{BB962C8B-B14F-4D97-AF65-F5344CB8AC3E}">
-        <p14:creationId xmlns:p14="http://schemas.microsoft.com/office/powerpoint/2010/main" val="3784730411"/>
+        <p14:creationId xmlns:p14="http://schemas.microsoft.com/office/powerpoint/2010/main" val="3771704117"/>
       </p:ext>
     </p:extLst>
   </p:cSld>
@@ -7906,7 +8053,7 @@
           <p:cNvPr id="2" name="Title 1">
             <a:extLst>
               <a:ext uri="{FF2B5EF4-FFF2-40B4-BE49-F238E27FC236}">
-                <a16:creationId xmlns:a16="http://schemas.microsoft.com/office/drawing/2014/main" id="{038CB330-301D-2FC5-1B1F-CAD5696A6C12}"/>
+                <a16:creationId xmlns:a16="http://schemas.microsoft.com/office/drawing/2014/main" id="{4CBB0E70-F6EA-969B-00B7-FA4DD6CAB3B3}"/>
               </a:ext>
             </a:extLst>
           </p:cNvPr>
@@ -7924,61 +8071,45 @@
           <a:p>
             <a:r>
               <a:rPr lang="en-US"/>
-              <a:t>Generarea testelor</a:t>
+              <a:t>Tax Calculator Test – Boundary Values</a:t>
             </a:r>
             <a:endParaRPr lang="LID4096"/>
           </a:p>
         </p:txBody>
       </p:sp>
-      <p:sp>
-        <p:nvSpPr>
-          <p:cNvPr id="3" name="Content Placeholder 2">
+      <p:pic>
+        <p:nvPicPr>
+          <p:cNvPr id="5" name="Content Placeholder 4">
             <a:extLst>
               <a:ext uri="{FF2B5EF4-FFF2-40B4-BE49-F238E27FC236}">
-                <a16:creationId xmlns:a16="http://schemas.microsoft.com/office/drawing/2014/main" id="{C71331FF-76AC-CAFA-FFA7-4231DA9EA8FE}"/>
+                <a16:creationId xmlns:a16="http://schemas.microsoft.com/office/drawing/2014/main" id="{B091F954-D129-9A6C-49B9-A1FC01264510}"/>
               </a:ext>
             </a:extLst>
           </p:cNvPr>
-          <p:cNvSpPr>
-            <a:spLocks noGrp="1"/>
-          </p:cNvSpPr>
+          <p:cNvPicPr>
+            <a:picLocks noGrp="1" noChangeAspect="1"/>
+          </p:cNvPicPr>
           <p:nvPr>
             <p:ph idx="1"/>
           </p:nvPr>
-        </p:nvSpPr>
+        </p:nvPicPr>
+        <p:blipFill>
+          <a:blip r:embed="rId2"/>
+          <a:stretch>
+            <a:fillRect/>
+          </a:stretch>
+        </p:blipFill>
         <p:spPr>
           <a:xfrm>
-            <a:off x="645132" y="1479666"/>
-            <a:ext cx="9404722" cy="4768734"/>
+            <a:off x="646111" y="1853247"/>
+            <a:ext cx="10953412" cy="4198417"/>
           </a:xfrm>
         </p:spPr>
-        <p:txBody>
-          <a:bodyPr/>
-          <a:lstStyle/>
-          <a:p>
-            <a:r>
-              <a:rPr lang="en-US"/>
-              <a:t>In total au fost generate 42 de teste pentru acoperirea fiecarui caz posibil, insa nu au fost scrise de mana</a:t>
-            </a:r>
-          </a:p>
-          <a:p>
-            <a:r>
-              <a:rPr lang="en-US"/>
-              <a:t>Am facut un script scurt in python care a generat prin backtracking liniile de cod, dat fiind ca testele au aceeasi structura, singurele diferente fiind valorile parametrilor</a:t>
-            </a:r>
-          </a:p>
-          <a:p>
-            <a:pPr marL="0" indent="0">
-              <a:buNone/>
-            </a:pPr>
-            <a:endParaRPr lang="LID4096"/>
-          </a:p>
-        </p:txBody>
-      </p:sp>
+      </p:pic>
     </p:spTree>
     <p:extLst>
       <p:ext uri="{BB962C8B-B14F-4D97-AF65-F5344CB8AC3E}">
-        <p14:creationId xmlns:p14="http://schemas.microsoft.com/office/powerpoint/2010/main" val="1860902808"/>
+        <p14:creationId xmlns:p14="http://schemas.microsoft.com/office/powerpoint/2010/main" val="3784730411"/>
       </p:ext>
     </p:extLst>
   </p:cSld>

--- a/Testare_Unitara_Java.pptx
+++ b/Testare_Unitara_Java.pptx
@@ -15,9 +15,10 @@
     <p:sldId id="262" r:id="rId9"/>
     <p:sldId id="263" r:id="rId10"/>
     <p:sldId id="264" r:id="rId11"/>
-    <p:sldId id="265" r:id="rId12"/>
-    <p:sldId id="266" r:id="rId13"/>
-    <p:sldId id="267" r:id="rId14"/>
+    <p:sldId id="269" r:id="rId12"/>
+    <p:sldId id="265" r:id="rId13"/>
+    <p:sldId id="266" r:id="rId14"/>
+    <p:sldId id="267" r:id="rId15"/>
   </p:sldIdLst>
   <p:sldSz cx="12192000" cy="6858000"/>
   <p:notesSz cx="6858000" cy="9144000"/>
@@ -6249,10 +6250,18 @@
           <a:lstStyle/>
           <a:p>
             <a:r>
-              <a:rPr lang="en-US"/>
-              <a:t>Generarea testelor</a:t>
-            </a:r>
-            <a:endParaRPr lang="LID4096"/>
+              <a:rPr lang="en-US" dirty="0" err="1"/>
+              <a:t>Generarea</a:t>
+            </a:r>
+            <a:r>
+              <a:rPr lang="en-US" dirty="0"/>
+              <a:t> </a:t>
+            </a:r>
+            <a:r>
+              <a:rPr lang="en-US" dirty="0" err="1"/>
+              <a:t>testelor</a:t>
+            </a:r>
+            <a:endParaRPr lang="LID4096" dirty="0"/>
           </a:p>
         </p:txBody>
       </p:sp>
@@ -6282,22 +6291,290 @@
           <a:bodyPr/>
           <a:lstStyle/>
           <a:p>
-            <a:r>
-              <a:rPr lang="en-US"/>
-              <a:t>In total au fost generate 42 de teste pentru acoperirea fiecarui caz posibil, insa nu au fost scrise de mana</a:t>
-            </a:r>
-          </a:p>
-          <a:p>
-            <a:r>
-              <a:rPr lang="en-US"/>
-              <a:t>Am facut un script scurt in python care a generat prin backtracking liniile de cod, dat fiind ca testele au aceeasi structura, singurele diferente fiind valorile parametrilor</a:t>
-            </a:r>
-          </a:p>
-          <a:p>
             <a:pPr marL="0" indent="0">
               <a:buNone/>
             </a:pPr>
-            <a:endParaRPr lang="LID4096"/>
+            <a:r>
+              <a:rPr lang="en-US" dirty="0" err="1"/>
+              <a:t>Generare</a:t>
+            </a:r>
+            <a:r>
+              <a:rPr lang="en-US" dirty="0"/>
+              <a:t> cu AI (ChatGPT 3.5):</a:t>
+            </a:r>
+          </a:p>
+          <a:p>
+            <a:r>
+              <a:rPr lang="en-US" dirty="0"/>
+              <a:t>Am </a:t>
+            </a:r>
+            <a:r>
+              <a:rPr lang="en-US" dirty="0" err="1"/>
+              <a:t>incercat</a:t>
+            </a:r>
+            <a:r>
+              <a:rPr lang="en-US" dirty="0"/>
+              <a:t> </a:t>
+            </a:r>
+            <a:r>
+              <a:rPr lang="en-US" dirty="0" err="1"/>
+              <a:t>sa</a:t>
+            </a:r>
+            <a:r>
+              <a:rPr lang="en-US" dirty="0"/>
+              <a:t> </a:t>
+            </a:r>
+            <a:r>
+              <a:rPr lang="en-US" dirty="0" err="1"/>
+              <a:t>generam</a:t>
+            </a:r>
+            <a:r>
+              <a:rPr lang="en-US" dirty="0"/>
+              <a:t> automat </a:t>
+            </a:r>
+            <a:r>
+              <a:rPr lang="en-US" dirty="0" err="1"/>
+              <a:t>testele</a:t>
+            </a:r>
+            <a:r>
+              <a:rPr lang="en-US" dirty="0"/>
+              <a:t> cu un tool AI</a:t>
+            </a:r>
+          </a:p>
+          <a:p>
+            <a:r>
+              <a:rPr lang="en-US" dirty="0" err="1"/>
+              <a:t>Testele</a:t>
+            </a:r>
+            <a:r>
+              <a:rPr lang="en-US" dirty="0"/>
+              <a:t> generate </a:t>
+            </a:r>
+            <a:r>
+              <a:rPr lang="en-US" dirty="0" err="1"/>
+              <a:t>acopereau</a:t>
+            </a:r>
+            <a:r>
+              <a:rPr lang="en-US" dirty="0"/>
+              <a:t> </a:t>
+            </a:r>
+            <a:r>
+              <a:rPr lang="en-US" dirty="0" err="1"/>
+              <a:t>corespunzator</a:t>
+            </a:r>
+            <a:r>
+              <a:rPr lang="en-US" dirty="0"/>
+              <a:t> </a:t>
+            </a:r>
+            <a:r>
+              <a:rPr lang="en-US" dirty="0" err="1"/>
+              <a:t>toate</a:t>
+            </a:r>
+            <a:r>
+              <a:rPr lang="en-US" dirty="0"/>
+              <a:t> </a:t>
+            </a:r>
+            <a:r>
+              <a:rPr lang="en-US" dirty="0" err="1"/>
+              <a:t>clasele</a:t>
+            </a:r>
+            <a:r>
+              <a:rPr lang="en-US" dirty="0"/>
+              <a:t> de </a:t>
+            </a:r>
+            <a:r>
+              <a:rPr lang="en-US" dirty="0" err="1"/>
+              <a:t>echivalenta</a:t>
+            </a:r>
+            <a:endParaRPr lang="en-US" dirty="0"/>
+          </a:p>
+          <a:p>
+            <a:r>
+              <a:rPr lang="en-US" dirty="0" err="1"/>
+              <a:t>Valorile</a:t>
+            </a:r>
+            <a:r>
+              <a:rPr lang="en-US" dirty="0"/>
+              <a:t> din </a:t>
+            </a:r>
+            <a:r>
+              <a:rPr lang="en-US" dirty="0" err="1"/>
+              <a:t>asserturi</a:t>
+            </a:r>
+            <a:r>
+              <a:rPr lang="en-US" dirty="0"/>
+              <a:t> </a:t>
+            </a:r>
+            <a:r>
+              <a:rPr lang="en-US" dirty="0" err="1"/>
+              <a:t>erau</a:t>
+            </a:r>
+            <a:r>
+              <a:rPr lang="en-US" dirty="0"/>
+              <a:t> </a:t>
+            </a:r>
+            <a:r>
+              <a:rPr lang="en-US" dirty="0" err="1"/>
+              <a:t>gresite</a:t>
+            </a:r>
+            <a:r>
+              <a:rPr lang="en-US" dirty="0"/>
+              <a:t>, </a:t>
+            </a:r>
+            <a:r>
+              <a:rPr lang="en-US" dirty="0" err="1"/>
+              <a:t>dat</a:t>
+            </a:r>
+            <a:r>
+              <a:rPr lang="en-US" dirty="0"/>
+              <a:t> </a:t>
+            </a:r>
+            <a:r>
+              <a:rPr lang="en-US" dirty="0" err="1"/>
+              <a:t>fiind</a:t>
+            </a:r>
+            <a:r>
+              <a:rPr lang="en-US" dirty="0"/>
+              <a:t> ca </a:t>
+            </a:r>
+            <a:r>
+              <a:rPr lang="en-US" dirty="0" err="1"/>
+              <a:t>programul</a:t>
+            </a:r>
+            <a:r>
+              <a:rPr lang="en-US" dirty="0"/>
+              <a:t> nostrum </a:t>
+            </a:r>
+            <a:r>
+              <a:rPr lang="en-US" dirty="0" err="1"/>
+              <a:t>executa</a:t>
+            </a:r>
+            <a:r>
+              <a:rPr lang="en-US" dirty="0"/>
+              <a:t> o </a:t>
+            </a:r>
+            <a:r>
+              <a:rPr lang="en-US" dirty="0" err="1"/>
+              <a:t>serie</a:t>
+            </a:r>
+            <a:r>
+              <a:rPr lang="en-US" dirty="0"/>
+              <a:t> de </a:t>
+            </a:r>
+            <a:r>
+              <a:rPr lang="en-US" dirty="0" err="1"/>
+              <a:t>calcule</a:t>
+            </a:r>
+            <a:r>
+              <a:rPr lang="en-US" dirty="0"/>
+              <a:t> </a:t>
+            </a:r>
+            <a:r>
+              <a:rPr lang="en-US" dirty="0" err="1"/>
+              <a:t>nontriviale</a:t>
+            </a:r>
+            <a:r>
+              <a:rPr lang="en-US" dirty="0"/>
+              <a:t>, </a:t>
+            </a:r>
+            <a:r>
+              <a:rPr lang="en-US" dirty="0" err="1"/>
+              <a:t>prea</a:t>
+            </a:r>
+            <a:r>
+              <a:rPr lang="en-US" dirty="0"/>
+              <a:t> complicate </a:t>
+            </a:r>
+            <a:r>
+              <a:rPr lang="en-US" dirty="0" err="1"/>
+              <a:t>pentru</a:t>
+            </a:r>
+            <a:r>
+              <a:rPr lang="en-US" dirty="0"/>
+              <a:t> un LLM</a:t>
+            </a:r>
+          </a:p>
+          <a:p>
+            <a:r>
+              <a:rPr lang="en-US" dirty="0" err="1"/>
+              <a:t>Testele</a:t>
+            </a:r>
+            <a:r>
+              <a:rPr lang="en-US" dirty="0"/>
+              <a:t> ne-au </a:t>
+            </a:r>
+            <a:r>
+              <a:rPr lang="en-US" dirty="0" err="1"/>
+              <a:t>fost</a:t>
+            </a:r>
+            <a:r>
+              <a:rPr lang="en-US" dirty="0"/>
+              <a:t> utile ca </a:t>
+            </a:r>
+            <a:r>
+              <a:rPr lang="en-US" dirty="0" err="1"/>
+              <a:t>punct</a:t>
+            </a:r>
+            <a:r>
+              <a:rPr lang="en-US" dirty="0"/>
+              <a:t> de </a:t>
+            </a:r>
+            <a:r>
+              <a:rPr lang="en-US" dirty="0" err="1"/>
+              <a:t>plecare</a:t>
+            </a:r>
+            <a:endParaRPr lang="en-US" dirty="0"/>
+          </a:p>
+          <a:p>
+            <a:r>
+              <a:rPr lang="en-US" dirty="0"/>
+              <a:t>In rest, ChatGPT a </a:t>
+            </a:r>
+            <a:r>
+              <a:rPr lang="en-US" dirty="0" err="1"/>
+              <a:t>fost</a:t>
+            </a:r>
+            <a:r>
+              <a:rPr lang="en-US" dirty="0"/>
+              <a:t> util </a:t>
+            </a:r>
+            <a:r>
+              <a:rPr lang="en-US" dirty="0" err="1"/>
+              <a:t>pentru</a:t>
+            </a:r>
+            <a:r>
+              <a:rPr lang="en-US" dirty="0"/>
+              <a:t> </a:t>
+            </a:r>
+            <a:r>
+              <a:rPr lang="en-US" dirty="0" err="1"/>
+              <a:t>clarificare</a:t>
+            </a:r>
+            <a:r>
+              <a:rPr lang="en-US" dirty="0"/>
+              <a:t> de concept </a:t>
+            </a:r>
+            <a:r>
+              <a:rPr lang="en-US" dirty="0" err="1"/>
+              <a:t>si</a:t>
+            </a:r>
+            <a:r>
+              <a:rPr lang="en-US" dirty="0"/>
+              <a:t> </a:t>
+            </a:r>
+            <a:r>
+              <a:rPr lang="en-US" dirty="0" err="1"/>
+              <a:t>rezolvare</a:t>
+            </a:r>
+            <a:r>
+              <a:rPr lang="en-US" dirty="0"/>
+              <a:t> de </a:t>
+            </a:r>
+            <a:r>
+              <a:rPr lang="en-US" dirty="0" err="1"/>
+              <a:t>erori</a:t>
+            </a:r>
+            <a:endParaRPr lang="LID4096" dirty="0"/>
           </a:p>
         </p:txBody>
       </p:sp>
@@ -6336,6 +6613,460 @@
           <p:cNvPr id="2" name="Title 1">
             <a:extLst>
               <a:ext uri="{FF2B5EF4-FFF2-40B4-BE49-F238E27FC236}">
+                <a16:creationId xmlns:a16="http://schemas.microsoft.com/office/drawing/2014/main" id="{038CB330-301D-2FC5-1B1F-CAD5696A6C12}"/>
+              </a:ext>
+            </a:extLst>
+          </p:cNvPr>
+          <p:cNvSpPr>
+            <a:spLocks noGrp="1"/>
+          </p:cNvSpPr>
+          <p:nvPr>
+            <p:ph type="title"/>
+          </p:nvPr>
+        </p:nvSpPr>
+        <p:spPr/>
+        <p:txBody>
+          <a:bodyPr/>
+          <a:lstStyle/>
+          <a:p>
+            <a:r>
+              <a:rPr lang="en-US" dirty="0" err="1"/>
+              <a:t>Generarea</a:t>
+            </a:r>
+            <a:r>
+              <a:rPr lang="en-US" dirty="0"/>
+              <a:t> </a:t>
+            </a:r>
+            <a:r>
+              <a:rPr lang="en-US" dirty="0" err="1"/>
+              <a:t>testelor</a:t>
+            </a:r>
+            <a:endParaRPr lang="LID4096" dirty="0"/>
+          </a:p>
+        </p:txBody>
+      </p:sp>
+      <p:sp>
+        <p:nvSpPr>
+          <p:cNvPr id="3" name="Content Placeholder 2">
+            <a:extLst>
+              <a:ext uri="{FF2B5EF4-FFF2-40B4-BE49-F238E27FC236}">
+                <a16:creationId xmlns:a16="http://schemas.microsoft.com/office/drawing/2014/main" id="{C71331FF-76AC-CAFA-FFA7-4231DA9EA8FE}"/>
+              </a:ext>
+            </a:extLst>
+          </p:cNvPr>
+          <p:cNvSpPr>
+            <a:spLocks noGrp="1"/>
+          </p:cNvSpPr>
+          <p:nvPr>
+            <p:ph idx="1"/>
+          </p:nvPr>
+        </p:nvSpPr>
+        <p:spPr>
+          <a:xfrm>
+            <a:off x="537470" y="1552077"/>
+            <a:ext cx="9404722" cy="4768734"/>
+          </a:xfrm>
+        </p:spPr>
+        <p:txBody>
+          <a:bodyPr/>
+          <a:lstStyle/>
+          <a:p>
+            <a:pPr marL="0" indent="0">
+              <a:buNone/>
+            </a:pPr>
+            <a:r>
+              <a:rPr lang="en-US" dirty="0" err="1"/>
+              <a:t>Generare</a:t>
+            </a:r>
+            <a:r>
+              <a:rPr lang="en-US" dirty="0"/>
+              <a:t> cu un script custom:</a:t>
+            </a:r>
+          </a:p>
+          <a:p>
+            <a:r>
+              <a:rPr lang="en-US" dirty="0" err="1"/>
+              <a:t>Fiind</a:t>
+            </a:r>
+            <a:r>
+              <a:rPr lang="en-US" dirty="0"/>
+              <a:t> </a:t>
+            </a:r>
+            <a:r>
+              <a:rPr lang="en-US" dirty="0" err="1"/>
+              <a:t>vorba</a:t>
+            </a:r>
+            <a:r>
+              <a:rPr lang="en-US" dirty="0"/>
+              <a:t> de un calculator, </a:t>
+            </a:r>
+            <a:r>
+              <a:rPr lang="en-US" dirty="0" err="1"/>
+              <a:t>testele</a:t>
+            </a:r>
+            <a:r>
+              <a:rPr lang="en-US" dirty="0"/>
+              <a:t> au </a:t>
+            </a:r>
+            <a:r>
+              <a:rPr lang="en-US" dirty="0" err="1"/>
+              <a:t>aceeasi</a:t>
+            </a:r>
+            <a:r>
+              <a:rPr lang="en-US" dirty="0"/>
+              <a:t> </a:t>
+            </a:r>
+            <a:r>
+              <a:rPr lang="en-US" dirty="0" err="1"/>
+              <a:t>structura</a:t>
+            </a:r>
+            <a:r>
+              <a:rPr lang="en-US" dirty="0"/>
+              <a:t>, </a:t>
+            </a:r>
+            <a:r>
+              <a:rPr lang="en-US" dirty="0" err="1"/>
+              <a:t>singurele</a:t>
+            </a:r>
+            <a:r>
+              <a:rPr lang="en-US" dirty="0"/>
+              <a:t> </a:t>
+            </a:r>
+            <a:r>
+              <a:rPr lang="en-US" dirty="0" err="1"/>
+              <a:t>diferente</a:t>
+            </a:r>
+            <a:r>
+              <a:rPr lang="en-US" dirty="0"/>
+              <a:t> </a:t>
+            </a:r>
+            <a:r>
+              <a:rPr lang="en-US" dirty="0" err="1"/>
+              <a:t>fiind</a:t>
+            </a:r>
+            <a:r>
+              <a:rPr lang="en-US" dirty="0"/>
+              <a:t> </a:t>
+            </a:r>
+            <a:r>
+              <a:rPr lang="en-US" dirty="0" err="1"/>
+              <a:t>valorile</a:t>
+            </a:r>
+            <a:r>
+              <a:rPr lang="en-US" dirty="0"/>
+              <a:t> </a:t>
+            </a:r>
+            <a:r>
+              <a:rPr lang="en-US" dirty="0" err="1"/>
+              <a:t>parametrilor</a:t>
+            </a:r>
+            <a:r>
+              <a:rPr lang="en-US" dirty="0"/>
+              <a:t>, </a:t>
+            </a:r>
+            <a:r>
+              <a:rPr lang="en-US" dirty="0" err="1"/>
+              <a:t>deci</a:t>
+            </a:r>
+            <a:r>
+              <a:rPr lang="en-US" dirty="0"/>
+              <a:t> pot fi generate automat</a:t>
+            </a:r>
+          </a:p>
+          <a:p>
+            <a:r>
+              <a:rPr lang="en-US" dirty="0"/>
+              <a:t>In total au </a:t>
+            </a:r>
+            <a:r>
+              <a:rPr lang="en-US" dirty="0" err="1"/>
+              <a:t>fost</a:t>
+            </a:r>
+            <a:r>
+              <a:rPr lang="en-US" dirty="0"/>
+              <a:t> generate 42 de teste </a:t>
+            </a:r>
+            <a:r>
+              <a:rPr lang="en-US" dirty="0" err="1"/>
+              <a:t>pentru</a:t>
+            </a:r>
+            <a:r>
+              <a:rPr lang="en-US" dirty="0"/>
+              <a:t> </a:t>
+            </a:r>
+            <a:r>
+              <a:rPr lang="en-US" dirty="0" err="1"/>
+              <a:t>acoperirea</a:t>
+            </a:r>
+            <a:r>
+              <a:rPr lang="en-US" dirty="0"/>
+              <a:t> </a:t>
+            </a:r>
+            <a:r>
+              <a:rPr lang="en-US" dirty="0" err="1"/>
+              <a:t>fiecarui</a:t>
+            </a:r>
+            <a:r>
+              <a:rPr lang="en-US" dirty="0"/>
+              <a:t> </a:t>
+            </a:r>
+            <a:r>
+              <a:rPr lang="en-US" dirty="0" err="1"/>
+              <a:t>caz</a:t>
+            </a:r>
+            <a:r>
+              <a:rPr lang="en-US" dirty="0"/>
+              <a:t> </a:t>
+            </a:r>
+            <a:r>
+              <a:rPr lang="en-US" dirty="0" err="1"/>
+              <a:t>posibil</a:t>
+            </a:r>
+            <a:endParaRPr lang="en-US" dirty="0"/>
+          </a:p>
+          <a:p>
+            <a:r>
+              <a:rPr lang="en-US" dirty="0"/>
+              <a:t>Am </a:t>
+            </a:r>
+            <a:r>
+              <a:rPr lang="en-US" dirty="0" err="1"/>
+              <a:t>facut</a:t>
+            </a:r>
+            <a:r>
+              <a:rPr lang="en-US" dirty="0"/>
+              <a:t> un script in python care </a:t>
+            </a:r>
+            <a:r>
+              <a:rPr lang="en-US" dirty="0" err="1"/>
+              <a:t>genereaza</a:t>
+            </a:r>
+            <a:r>
+              <a:rPr lang="en-US" dirty="0"/>
+              <a:t>, </a:t>
+            </a:r>
+            <a:r>
+              <a:rPr lang="en-US" dirty="0" err="1"/>
+              <a:t>prin</a:t>
+            </a:r>
+            <a:r>
+              <a:rPr lang="en-US" dirty="0"/>
+              <a:t> backtracking pe </a:t>
+            </a:r>
+            <a:r>
+              <a:rPr lang="en-US" dirty="0" err="1"/>
+              <a:t>valorile</a:t>
+            </a:r>
+            <a:r>
+              <a:rPr lang="en-US" dirty="0"/>
+              <a:t> </a:t>
+            </a:r>
+            <a:r>
+              <a:rPr lang="en-US" dirty="0" err="1"/>
+              <a:t>claselor</a:t>
+            </a:r>
+            <a:r>
+              <a:rPr lang="en-US" dirty="0"/>
+              <a:t> de </a:t>
+            </a:r>
+            <a:r>
+              <a:rPr lang="en-US" dirty="0" err="1"/>
+              <a:t>echivalenta</a:t>
+            </a:r>
+            <a:r>
+              <a:rPr lang="en-US" dirty="0"/>
+              <a:t>, </a:t>
+            </a:r>
+            <a:r>
+              <a:rPr lang="en-US" dirty="0" err="1"/>
+              <a:t>codul</a:t>
+            </a:r>
+            <a:r>
+              <a:rPr lang="en-US" dirty="0"/>
+              <a:t> </a:t>
+            </a:r>
+            <a:r>
+              <a:rPr lang="en-US" dirty="0" err="1"/>
+              <a:t>aferent</a:t>
+            </a:r>
+            <a:r>
+              <a:rPr lang="en-US" dirty="0"/>
+              <a:t> </a:t>
+            </a:r>
+            <a:r>
+              <a:rPr lang="en-US" dirty="0" err="1"/>
+              <a:t>testelor</a:t>
+            </a:r>
+            <a:endParaRPr lang="en-US" dirty="0"/>
+          </a:p>
+          <a:p>
+            <a:r>
+              <a:rPr lang="en-US" dirty="0"/>
+              <a:t>In </a:t>
+            </a:r>
+            <a:r>
+              <a:rPr lang="en-US" dirty="0" err="1"/>
+              <a:t>cazul</a:t>
+            </a:r>
+            <a:r>
+              <a:rPr lang="en-US" dirty="0"/>
+              <a:t> </a:t>
+            </a:r>
+            <a:r>
+              <a:rPr lang="en-US" dirty="0" err="1"/>
+              <a:t>nostru</a:t>
+            </a:r>
+            <a:r>
+              <a:rPr lang="en-US" dirty="0"/>
+              <a:t>, </a:t>
+            </a:r>
+            <a:r>
+              <a:rPr lang="en-US" dirty="0" err="1"/>
+              <a:t>testele</a:t>
+            </a:r>
+            <a:r>
+              <a:rPr lang="en-US" dirty="0"/>
+              <a:t> generate de </a:t>
+            </a:r>
+            <a:r>
+              <a:rPr lang="en-US" dirty="0" err="1"/>
+              <a:t>noi</a:t>
+            </a:r>
+            <a:r>
+              <a:rPr lang="en-US" dirty="0"/>
+              <a:t> sunt </a:t>
+            </a:r>
+            <a:r>
+              <a:rPr lang="en-US" dirty="0" err="1"/>
+              <a:t>mai</a:t>
+            </a:r>
+            <a:r>
+              <a:rPr lang="en-US" dirty="0"/>
+              <a:t> </a:t>
+            </a:r>
+            <a:r>
+              <a:rPr lang="en-US" dirty="0" err="1"/>
+              <a:t>bune</a:t>
+            </a:r>
+            <a:r>
+              <a:rPr lang="en-US" dirty="0"/>
+              <a:t> </a:t>
+            </a:r>
+            <a:r>
+              <a:rPr lang="en-US" dirty="0" err="1"/>
+              <a:t>decat</a:t>
+            </a:r>
+            <a:r>
+              <a:rPr lang="en-US" dirty="0"/>
+              <a:t> </a:t>
+            </a:r>
+            <a:r>
+              <a:rPr lang="en-US" dirty="0" err="1"/>
+              <a:t>cele</a:t>
+            </a:r>
+            <a:r>
+              <a:rPr lang="en-US" dirty="0"/>
+              <a:t> generate cu AI, </a:t>
+            </a:r>
+            <a:r>
+              <a:rPr lang="en-US" dirty="0" err="1"/>
+              <a:t>setul</a:t>
+            </a:r>
+            <a:r>
+              <a:rPr lang="en-US" dirty="0"/>
+              <a:t> </a:t>
+            </a:r>
+            <a:r>
+              <a:rPr lang="en-US" dirty="0" err="1"/>
+              <a:t>nostru</a:t>
+            </a:r>
+            <a:r>
+              <a:rPr lang="en-US" dirty="0"/>
+              <a:t> de teste </a:t>
+            </a:r>
+            <a:r>
+              <a:rPr lang="en-US" dirty="0" err="1"/>
+              <a:t>fiind</a:t>
+            </a:r>
+            <a:r>
+              <a:rPr lang="en-US" dirty="0"/>
+              <a:t> </a:t>
+            </a:r>
+            <a:r>
+              <a:rPr lang="en-US" dirty="0" err="1"/>
+              <a:t>exhaustiv</a:t>
+            </a:r>
+            <a:r>
+              <a:rPr lang="en-US" dirty="0"/>
+              <a:t> </a:t>
+            </a:r>
+            <a:r>
+              <a:rPr lang="en-US" dirty="0" err="1"/>
+              <a:t>si</a:t>
+            </a:r>
+            <a:r>
+              <a:rPr lang="en-US" dirty="0"/>
+              <a:t> minimal </a:t>
+            </a:r>
+            <a:r>
+              <a:rPr lang="en-US" dirty="0" err="1"/>
+              <a:t>si</a:t>
+            </a:r>
+            <a:r>
+              <a:rPr lang="en-US" dirty="0"/>
+              <a:t>  cu </a:t>
+            </a:r>
+            <a:r>
+              <a:rPr lang="en-US" dirty="0" err="1"/>
+              <a:t>valorile</a:t>
+            </a:r>
+            <a:r>
+              <a:rPr lang="en-US" dirty="0"/>
+              <a:t> </a:t>
+            </a:r>
+            <a:r>
+              <a:rPr lang="en-US" dirty="0" err="1"/>
+              <a:t>corecte</a:t>
+            </a:r>
+            <a:endParaRPr lang="LID4096" dirty="0"/>
+          </a:p>
+        </p:txBody>
+      </p:sp>
+    </p:spTree>
+    <p:extLst>
+      <p:ext uri="{BB962C8B-B14F-4D97-AF65-F5344CB8AC3E}">
+        <p14:creationId xmlns:p14="http://schemas.microsoft.com/office/powerpoint/2010/main" val="1615679146"/>
+      </p:ext>
+    </p:extLst>
+  </p:cSld>
+  <p:clrMapOvr>
+    <a:masterClrMapping/>
+  </p:clrMapOvr>
+</p:sld>
+</file>
+
+<file path=ppt/slides/slide12.xml><?xml version="1.0" encoding="utf-8"?>
+<p:sld xmlns:a="http://schemas.openxmlformats.org/drawingml/2006/main" xmlns:r="http://schemas.openxmlformats.org/officeDocument/2006/relationships" xmlns:p="http://schemas.openxmlformats.org/presentationml/2006/main">
+  <p:cSld>
+    <p:spTree>
+      <p:nvGrpSpPr>
+        <p:cNvPr id="1" name=""/>
+        <p:cNvGrpSpPr/>
+        <p:nvPr/>
+      </p:nvGrpSpPr>
+      <p:grpSpPr>
+        <a:xfrm>
+          <a:off x="0" y="0"/>
+          <a:ext cx="0" cy="0"/>
+          <a:chOff x="0" y="0"/>
+          <a:chExt cx="0" cy="0"/>
+        </a:xfrm>
+      </p:grpSpPr>
+      <p:sp>
+        <p:nvSpPr>
+          <p:cNvPr id="2" name="Title 1">
+            <a:extLst>
+              <a:ext uri="{FF2B5EF4-FFF2-40B4-BE49-F238E27FC236}">
                 <a16:creationId xmlns:a16="http://schemas.microsoft.com/office/drawing/2014/main" id="{0ED5B48E-9750-25B6-4B77-AB1F98123EFF}"/>
               </a:ext>
             </a:extLst>
@@ -6402,7 +7133,7 @@
 </p:sld>
 </file>
 
-<file path=ppt/slides/slide12.xml><?xml version="1.0" encoding="utf-8"?>
+<file path=ppt/slides/slide13.xml><?xml version="1.0" encoding="utf-8"?>
 <p:sld xmlns:a="http://schemas.openxmlformats.org/drawingml/2006/main" xmlns:r="http://schemas.openxmlformats.org/officeDocument/2006/relationships" xmlns:p="http://schemas.openxmlformats.org/presentationml/2006/main">
   <p:cSld>
     <p:spTree>
@@ -6475,20 +7206,225 @@
           <a:lstStyle/>
           <a:p>
             <a:r>
-              <a:rPr lang="en-US"/>
-              <a:t>Dat fiind ca testele pe clase de echivalenta si pe valori de frontiera sunt exhaustive, fiecare posibilitate a fost acoperita</a:t>
-            </a:r>
-          </a:p>
-          <a:p>
-            <a:r>
-              <a:rPr lang="en-US"/>
-              <a:t>Astfel, avem acoperire 100% la nivel de instructiune, decizie, conditie, chiar si 100% path coverage</a:t>
-            </a:r>
-          </a:p>
-          <a:p>
-            <a:r>
-              <a:rPr lang="en-US"/>
-              <a:t>In practica, 100% path coverage nu este mereu posibil, insa a fost posibil, aplicatia fiind mai simpla</a:t>
+              <a:rPr lang="en-US" dirty="0"/>
+              <a:t>Dat </a:t>
+            </a:r>
+            <a:r>
+              <a:rPr lang="en-US" dirty="0" err="1"/>
+              <a:t>fiind</a:t>
+            </a:r>
+            <a:r>
+              <a:rPr lang="en-US" dirty="0"/>
+              <a:t> ca </a:t>
+            </a:r>
+            <a:r>
+              <a:rPr lang="en-US" dirty="0" err="1"/>
+              <a:t>testele</a:t>
+            </a:r>
+            <a:r>
+              <a:rPr lang="en-US" dirty="0"/>
+              <a:t> pe </a:t>
+            </a:r>
+            <a:r>
+              <a:rPr lang="en-US" dirty="0" err="1"/>
+              <a:t>clase</a:t>
+            </a:r>
+            <a:r>
+              <a:rPr lang="en-US" dirty="0"/>
+              <a:t> de </a:t>
+            </a:r>
+            <a:r>
+              <a:rPr lang="en-US" dirty="0" err="1"/>
+              <a:t>echivalenta</a:t>
+            </a:r>
+            <a:r>
+              <a:rPr lang="en-US" dirty="0"/>
+              <a:t> sunt generate </a:t>
+            </a:r>
+            <a:r>
+              <a:rPr lang="en-US" dirty="0" err="1"/>
+              <a:t>exhaustiv</a:t>
+            </a:r>
+            <a:r>
+              <a:rPr lang="en-US" dirty="0"/>
+              <a:t>, </a:t>
+            </a:r>
+            <a:r>
+              <a:rPr lang="en-US" dirty="0" err="1"/>
+              <a:t>fiecare</a:t>
+            </a:r>
+            <a:r>
+              <a:rPr lang="en-US" dirty="0"/>
+              <a:t> </a:t>
+            </a:r>
+            <a:r>
+              <a:rPr lang="en-US" dirty="0" err="1"/>
+              <a:t>posibilitate</a:t>
+            </a:r>
+            <a:r>
+              <a:rPr lang="en-US" dirty="0"/>
+              <a:t> a </a:t>
+            </a:r>
+            <a:r>
+              <a:rPr lang="en-US" dirty="0" err="1"/>
+              <a:t>fost</a:t>
+            </a:r>
+            <a:r>
+              <a:rPr lang="en-US" dirty="0"/>
+              <a:t> </a:t>
+            </a:r>
+            <a:r>
+              <a:rPr lang="en-US" dirty="0" err="1"/>
+              <a:t>acoperita</a:t>
+            </a:r>
+            <a:endParaRPr lang="en-US" dirty="0"/>
+          </a:p>
+          <a:p>
+            <a:r>
+              <a:rPr lang="en-US" dirty="0" err="1"/>
+              <a:t>Astfel</a:t>
+            </a:r>
+            <a:r>
+              <a:rPr lang="en-US" dirty="0"/>
+              <a:t>, </a:t>
+            </a:r>
+            <a:r>
+              <a:rPr lang="en-US" dirty="0" err="1"/>
+              <a:t>avem</a:t>
+            </a:r>
+            <a:r>
+              <a:rPr lang="en-US" dirty="0"/>
+              <a:t> </a:t>
+            </a:r>
+            <a:r>
+              <a:rPr lang="en-US" dirty="0" err="1"/>
+              <a:t>acoperire</a:t>
+            </a:r>
+            <a:r>
+              <a:rPr lang="en-US" dirty="0"/>
+              <a:t> 100% la </a:t>
+            </a:r>
+            <a:r>
+              <a:rPr lang="en-US" dirty="0" err="1"/>
+              <a:t>nivel</a:t>
+            </a:r>
+            <a:r>
+              <a:rPr lang="en-US" dirty="0"/>
+              <a:t> de </a:t>
+            </a:r>
+            <a:r>
+              <a:rPr lang="en-US" dirty="0" err="1"/>
+              <a:t>instructiune</a:t>
+            </a:r>
+            <a:r>
+              <a:rPr lang="en-US" dirty="0"/>
+              <a:t>, </a:t>
+            </a:r>
+            <a:r>
+              <a:rPr lang="en-US" dirty="0" err="1"/>
+              <a:t>decizie</a:t>
+            </a:r>
+            <a:r>
+              <a:rPr lang="en-US" dirty="0"/>
+              <a:t>, </a:t>
+            </a:r>
+            <a:r>
+              <a:rPr lang="en-US" dirty="0" err="1"/>
+              <a:t>conditie</a:t>
+            </a:r>
+            <a:r>
+              <a:rPr lang="en-US" dirty="0"/>
+              <a:t>, </a:t>
+            </a:r>
+            <a:r>
+              <a:rPr lang="en-US" dirty="0" err="1"/>
+              <a:t>dar</a:t>
+            </a:r>
+            <a:r>
+              <a:rPr lang="en-US" dirty="0"/>
+              <a:t> </a:t>
+            </a:r>
+            <a:r>
+              <a:rPr lang="en-US" dirty="0" err="1"/>
+              <a:t>si</a:t>
+            </a:r>
+            <a:r>
+              <a:rPr lang="en-US" dirty="0"/>
+              <a:t> la </a:t>
+            </a:r>
+            <a:r>
+              <a:rPr lang="en-US" dirty="0" err="1"/>
+              <a:t>nivel</a:t>
+            </a:r>
+            <a:r>
+              <a:rPr lang="en-US" dirty="0"/>
+              <a:t> de path.</a:t>
+            </a:r>
+          </a:p>
+          <a:p>
+            <a:r>
+              <a:rPr lang="en-US" dirty="0" err="1"/>
+              <a:t>Deoarece</a:t>
+            </a:r>
+            <a:r>
+              <a:rPr lang="en-US" dirty="0"/>
+              <a:t> </a:t>
+            </a:r>
+            <a:r>
+              <a:rPr lang="en-US" dirty="0" err="1"/>
+              <a:t>numarul</a:t>
+            </a:r>
+            <a:r>
+              <a:rPr lang="en-US" dirty="0"/>
+              <a:t> de teste </a:t>
+            </a:r>
+            <a:r>
+              <a:rPr lang="en-US" dirty="0" err="1"/>
+              <a:t>este</a:t>
+            </a:r>
+            <a:r>
+              <a:rPr lang="en-US" dirty="0"/>
+              <a:t> egal cu </a:t>
+            </a:r>
+            <a:r>
+              <a:rPr lang="en-US" dirty="0" err="1"/>
+              <a:t>numarul</a:t>
+            </a:r>
+            <a:r>
+              <a:rPr lang="en-US" dirty="0"/>
+              <a:t> de path-</a:t>
+            </a:r>
+            <a:r>
+              <a:rPr lang="en-US" dirty="0" err="1"/>
+              <a:t>uri</a:t>
+            </a:r>
+            <a:r>
+              <a:rPr lang="en-US" dirty="0"/>
+              <a:t> (24), </a:t>
+            </a:r>
+            <a:r>
+              <a:rPr lang="en-US" dirty="0" err="1"/>
+              <a:t>rezulta</a:t>
+            </a:r>
+            <a:r>
+              <a:rPr lang="en-US" dirty="0"/>
+              <a:t> ca </a:t>
+            </a:r>
+            <a:r>
+              <a:rPr lang="en-US" dirty="0" err="1"/>
+              <a:t>setul</a:t>
+            </a:r>
+            <a:r>
+              <a:rPr lang="en-US" dirty="0"/>
+              <a:t> de teste </a:t>
+            </a:r>
+            <a:r>
+              <a:rPr lang="en-US" dirty="0" err="1"/>
+              <a:t>este</a:t>
+            </a:r>
+            <a:r>
+              <a:rPr lang="en-US" dirty="0"/>
+              <a:t> minimal.</a:t>
             </a:r>
           </a:p>
         </p:txBody>
@@ -6535,7 +7471,7 @@
 </p:sld>
 </file>
 
-<file path=ppt/slides/slide13.xml><?xml version="1.0" encoding="utf-8"?>
+<file path=ppt/slides/slide14.xml><?xml version="1.0" encoding="utf-8"?>
 <p:sld xmlns:a="http://schemas.openxmlformats.org/drawingml/2006/main" xmlns:r="http://schemas.openxmlformats.org/officeDocument/2006/relationships" xmlns:p="http://schemas.openxmlformats.org/presentationml/2006/main">
   <p:cSld>
     <p:spTree>
@@ -6599,7 +7535,7 @@
         </p:nvSpPr>
         <p:spPr>
           <a:xfrm>
-            <a:off x="645132" y="2011680"/>
+            <a:off x="646112" y="1477526"/>
             <a:ext cx="9404722" cy="4236719"/>
           </a:xfrm>
         </p:spPr>
@@ -6608,32 +7544,12 @@
           <a:lstStyle/>
           <a:p>
             <a:r>
-              <a:rPr lang="en-US" dirty="0" err="1"/>
-              <a:t>Avand</a:t>
-            </a:r>
-            <a:r>
-              <a:rPr lang="en-US" dirty="0"/>
-              <a:t> in </a:t>
-            </a:r>
-            <a:r>
-              <a:rPr lang="en-US" dirty="0" err="1"/>
-              <a:t>vedere</a:t>
-            </a:r>
-            <a:r>
-              <a:rPr lang="en-US" dirty="0"/>
-              <a:t> ca </a:t>
-            </a:r>
-            <a:r>
-              <a:rPr lang="en-US" dirty="0" err="1"/>
-              <a:t>avem</a:t>
-            </a:r>
-            <a:r>
-              <a:rPr lang="en-US" dirty="0"/>
-              <a:t> 100% path coverage, </a:t>
-            </a:r>
-            <a:r>
-              <a:rPr lang="en-US" dirty="0" err="1"/>
-              <a:t>fiecare</a:t>
+              <a:rPr lang="en-US" dirty="0"/>
+              <a:t>Am </a:t>
+            </a:r>
+            <a:r>
+              <a:rPr lang="en-US" dirty="0" err="1"/>
+              <a:t>folosit</a:t>
             </a:r>
             <a:r>
               <a:rPr lang="en-US" dirty="0"/>
@@ -6641,19 +7557,102 @@
             </a:r>
             <a:r>
               <a:rPr lang="en-US" dirty="0" err="1"/>
-              <a:t>valoare</a:t>
-            </a:r>
-            <a:r>
-              <a:rPr lang="en-US" dirty="0"/>
-              <a:t> de </a:t>
-            </a:r>
-            <a:r>
-              <a:rPr lang="en-US" dirty="0" err="1"/>
-              <a:t>frontiera</a:t>
-            </a:r>
-            <a:r>
-              <a:rPr lang="en-US" dirty="0"/>
-              <a:t> a </a:t>
+              <a:t>PITest</a:t>
+            </a:r>
+            <a:r>
+              <a:rPr lang="en-US" dirty="0"/>
+              <a:t> </a:t>
+            </a:r>
+            <a:r>
+              <a:rPr lang="en-US" dirty="0" err="1"/>
+              <a:t>pentru</a:t>
+            </a:r>
+            <a:r>
+              <a:rPr lang="en-US" dirty="0"/>
+              <a:t> a ne </a:t>
+            </a:r>
+            <a:r>
+              <a:rPr lang="en-US" dirty="0" err="1"/>
+              <a:t>verifica</a:t>
+            </a:r>
+            <a:r>
+              <a:rPr lang="en-US" dirty="0"/>
+              <a:t> </a:t>
+            </a:r>
+            <a:r>
+              <a:rPr lang="en-US" dirty="0" err="1"/>
+              <a:t>setul</a:t>
+            </a:r>
+            <a:r>
+              <a:rPr lang="en-US" dirty="0"/>
+              <a:t> de teste </a:t>
+            </a:r>
+            <a:r>
+              <a:rPr lang="en-US" dirty="0" err="1"/>
+              <a:t>prin</a:t>
+            </a:r>
+            <a:r>
+              <a:rPr lang="en-US" dirty="0"/>
+              <a:t> </a:t>
+            </a:r>
+            <a:r>
+              <a:rPr lang="en-US" dirty="0" err="1"/>
+              <a:t>analiza</a:t>
+            </a:r>
+            <a:r>
+              <a:rPr lang="en-US" dirty="0"/>
+              <a:t> cu </a:t>
+            </a:r>
+            <a:r>
+              <a:rPr lang="en-US" dirty="0" err="1"/>
+              <a:t>mutanti</a:t>
+            </a:r>
+            <a:endParaRPr lang="en-US" dirty="0"/>
+          </a:p>
+          <a:p>
+            <a:r>
+              <a:rPr lang="en-US" dirty="0"/>
+              <a:t> Dat </a:t>
+            </a:r>
+            <a:r>
+              <a:rPr lang="en-US" dirty="0" err="1"/>
+              <a:t>fiind</a:t>
+            </a:r>
+            <a:r>
+              <a:rPr lang="en-US" dirty="0"/>
+              <a:t> path coverage-</a:t>
+            </a:r>
+            <a:r>
+              <a:rPr lang="en-US" dirty="0" err="1"/>
+              <a:t>ul</a:t>
+            </a:r>
+            <a:r>
+              <a:rPr lang="en-US" dirty="0"/>
+              <a:t> de 100% al </a:t>
+            </a:r>
+            <a:r>
+              <a:rPr lang="en-US" dirty="0" err="1"/>
+              <a:t>testelor</a:t>
+            </a:r>
+            <a:r>
+              <a:rPr lang="en-US" dirty="0"/>
+              <a:t>, </a:t>
+            </a:r>
+            <a:r>
+              <a:rPr lang="en-US" dirty="0" err="1"/>
+              <a:t>toti</a:t>
+            </a:r>
+            <a:r>
+              <a:rPr lang="en-US" dirty="0"/>
+              <a:t> </a:t>
+            </a:r>
+            <a:r>
+              <a:rPr lang="en-US" dirty="0" err="1"/>
+              <a:t>mutantii</a:t>
+            </a:r>
+            <a:r>
+              <a:rPr lang="en-US" dirty="0"/>
+              <a:t> au </a:t>
             </a:r>
             <a:r>
               <a:rPr lang="en-US" dirty="0" err="1"/>
@@ -6661,80 +7660,13 @@
             </a:r>
             <a:r>
               <a:rPr lang="en-US" dirty="0"/>
-              <a:t> testata, nu s-a </a:t>
-            </a:r>
-            <a:r>
-              <a:rPr lang="en-US" dirty="0" err="1"/>
-              <a:t>gasit</a:t>
-            </a:r>
-            <a:r>
-              <a:rPr lang="en-US" dirty="0"/>
               <a:t> </a:t>
             </a:r>
             <a:r>
               <a:rPr lang="en-US" dirty="0" err="1"/>
-              <a:t>niciun</a:t>
-            </a:r>
-            <a:r>
-              <a:rPr lang="en-US" dirty="0"/>
-              <a:t> mutant care </a:t>
-            </a:r>
-            <a:r>
-              <a:rPr lang="en-US" dirty="0" err="1"/>
-              <a:t>sa</a:t>
-            </a:r>
-            <a:r>
-              <a:rPr lang="en-US" dirty="0"/>
-              <a:t> </a:t>
-            </a:r>
-            <a:r>
-              <a:rPr lang="en-US" dirty="0" err="1"/>
-              <a:t>supravietuiasca</a:t>
-            </a:r>
-            <a:r>
-              <a:rPr lang="en-US" dirty="0"/>
-              <a:t> </a:t>
-            </a:r>
-            <a:r>
-              <a:rPr lang="en-US" dirty="0" err="1"/>
-              <a:t>testelor</a:t>
-            </a:r>
-            <a:r>
-              <a:rPr lang="en-US" dirty="0"/>
-              <a:t>, </a:t>
-            </a:r>
-            <a:r>
-              <a:rPr lang="en-US" dirty="0" err="1"/>
-              <a:t>fiind</a:t>
-            </a:r>
-            <a:r>
-              <a:rPr lang="en-US" dirty="0"/>
-              <a:t> </a:t>
-            </a:r>
-            <a:r>
-              <a:rPr lang="en-US" dirty="0" err="1"/>
-              <a:t>reflectat</a:t>
-            </a:r>
-            <a:r>
-              <a:rPr lang="en-US" dirty="0"/>
-              <a:t> de rata de </a:t>
-            </a:r>
-            <a:r>
-              <a:rPr lang="en-US" dirty="0" err="1"/>
-              <a:t>succes</a:t>
-            </a:r>
-            <a:r>
-              <a:rPr lang="en-US" dirty="0"/>
-              <a:t> a </a:t>
-            </a:r>
-            <a:r>
-              <a:rPr lang="en-US" dirty="0" err="1"/>
-              <a:t>testelor</a:t>
-            </a:r>
-            <a:r>
-              <a:rPr lang="en-US" dirty="0"/>
-              <a:t> de 100%:</a:t>
-            </a:r>
+              <a:t>omorati</a:t>
+            </a:r>
+            <a:endParaRPr lang="en-US" dirty="0"/>
           </a:p>
           <a:p>
             <a:endParaRPr lang="en-US" dirty="0"/>
@@ -6774,7 +7706,7 @@
         </p:blipFill>
         <p:spPr>
           <a:xfrm>
-            <a:off x="3010746" y="3349190"/>
+            <a:off x="2263218" y="3702275"/>
             <a:ext cx="6170508" cy="2899209"/>
           </a:xfrm>
           <a:prstGeom prst="rect">
@@ -7211,7 +8143,12 @@
             <p:ph type="title"/>
           </p:nvPr>
         </p:nvSpPr>
-        <p:spPr/>
+        <p:spPr>
+          <a:xfrm>
+            <a:off x="265865" y="100210"/>
+            <a:ext cx="9404723" cy="1400530"/>
+          </a:xfrm>
+        </p:spPr>
         <p:txBody>
           <a:bodyPr/>
           <a:lstStyle/>
@@ -7251,7 +8188,7 @@
         </p:blipFill>
         <p:spPr>
           <a:xfrm>
-            <a:off x="8526513" y="259459"/>
+            <a:off x="9368485" y="78390"/>
             <a:ext cx="2289010" cy="5942281"/>
           </a:xfrm>
           <a:prstGeom prst="rect">
@@ -7287,8 +8224,38 @@
         </p:blipFill>
         <p:spPr>
           <a:xfrm>
-            <a:off x="525126" y="1741201"/>
+            <a:off x="353110" y="1198730"/>
             <a:ext cx="7083848" cy="4460539"/>
+          </a:xfrm>
+          <a:prstGeom prst="rect">
+            <a:avLst/>
+          </a:prstGeom>
+        </p:spPr>
+      </p:pic>
+      <p:pic>
+        <p:nvPicPr>
+          <p:cNvPr id="10" name="Picture 9">
+            <a:extLst>
+              <a:ext uri="{FF2B5EF4-FFF2-40B4-BE49-F238E27FC236}">
+                <a16:creationId xmlns:a16="http://schemas.microsoft.com/office/drawing/2014/main" id="{5C5A50A5-506F-F618-2E65-173D7FA1A22F}"/>
+              </a:ext>
+            </a:extLst>
+          </p:cNvPr>
+          <p:cNvPicPr>
+            <a:picLocks noChangeAspect="1"/>
+          </p:cNvPicPr>
+          <p:nvPr/>
+        </p:nvPicPr>
+        <p:blipFill>
+          <a:blip r:embed="rId4"/>
+          <a:stretch>
+            <a:fillRect/>
+          </a:stretch>
+        </p:blipFill>
+        <p:spPr>
+          <a:xfrm>
+            <a:off x="353110" y="6020671"/>
+            <a:ext cx="7468642" cy="323895"/>
           </a:xfrm>
           <a:prstGeom prst="rect">
             <a:avLst/>
@@ -7691,7 +8658,7 @@
         </p:spPr>
         <p:txBody>
           <a:bodyPr>
-            <a:normAutofit fontScale="92500" lnSpcReduction="10000"/>
+            <a:normAutofit fontScale="92500" lnSpcReduction="20000"/>
           </a:bodyPr>
           <a:lstStyle/>
           <a:p>
@@ -7704,21 +8671,45 @@
             <a:pPr lvl="1"/>
             <a:r>
               <a:rPr lang="en-US" dirty="0"/>
-              <a:t>{ salary ∈ N | salary &lt;= 3000 }</a:t>
+              <a:t>S1 = { salary ∈ N | salary &lt;= 3000 };                    </a:t>
+            </a:r>
+            <a:r>
+              <a:rPr lang="en-US" dirty="0" err="1"/>
+              <a:t>alegem</a:t>
+            </a:r>
+            <a:r>
+              <a:rPr lang="en-US" dirty="0"/>
+              <a:t> s1 = 2500</a:t>
             </a:r>
           </a:p>
           <a:p>
             <a:pPr lvl="1"/>
             <a:r>
               <a:rPr lang="en-US" dirty="0"/>
-              <a:t>{ salary ∈ N | 3000 &lt; salary &lt;= 6000 }</a:t>
+              <a:t>S2 = { salary ∈ N | 3000 &lt; salary &lt;= 6000 };        </a:t>
+            </a:r>
+            <a:r>
+              <a:rPr lang="en-US" dirty="0" err="1"/>
+              <a:t>alegem</a:t>
+            </a:r>
+            <a:r>
+              <a:rPr lang="en-US" dirty="0"/>
+              <a:t> s2 = 4500</a:t>
             </a:r>
           </a:p>
           <a:p>
             <a:pPr lvl="1"/>
             <a:r>
               <a:rPr lang="en-US" dirty="0"/>
-              <a:t>{ salary ∈ N | 6000 &lt; salary }</a:t>
+              <a:t>S3 = { salary ∈ N | salary &gt; 6000 }; 		 	 </a:t>
+            </a:r>
+            <a:r>
+              <a:rPr lang="en-US" dirty="0" err="1"/>
+              <a:t>alegem</a:t>
+            </a:r>
+            <a:r>
+              <a:rPr lang="en-US" dirty="0"/>
+              <a:t> s3 = 8000</a:t>
             </a:r>
           </a:p>
           <a:p>
@@ -7731,20 +8722,36 @@
             <a:pPr lvl="1"/>
             <a:r>
               <a:rPr lang="en-US" dirty="0"/>
-              <a:t>{ dividend ∈ N | dividend &lt; 10000 }</a:t>
+              <a:t>D1 = { dividend ∈ N | dividend &lt; 10000 };          </a:t>
+            </a:r>
+            <a:r>
+              <a:rPr lang="en-US" dirty="0" err="1"/>
+              <a:t>alegem</a:t>
+            </a:r>
+            <a:r>
+              <a:rPr lang="en-US" dirty="0"/>
+              <a:t> d1 = 1000</a:t>
             </a:r>
           </a:p>
           <a:p>
             <a:pPr lvl="1"/>
             <a:r>
               <a:rPr lang="en-US" dirty="0"/>
-              <a:t>{ dividend ∈ N | dividend &gt;= 10000 }</a:t>
-            </a:r>
-          </a:p>
-          <a:p>
-            <a:r>
-              <a:rPr lang="en-US" dirty="0"/>
-              <a:t>Rental Income ( { </a:t>
+              <a:t>D2 = { dividend ∈ N | dividend &gt;= 10000 };        </a:t>
+            </a:r>
+            <a:r>
+              <a:rPr lang="en-US" dirty="0" err="1"/>
+              <a:t>alegem</a:t>
+            </a:r>
+            <a:r>
+              <a:rPr lang="en-US" dirty="0"/>
+              <a:t> d2 = 12000</a:t>
+            </a:r>
+          </a:p>
+          <a:p>
+            <a:r>
+              <a:rPr lang="en-US" dirty="0"/>
+              <a:t>Rental Income : Ri = { </a:t>
             </a:r>
             <a:r>
               <a:rPr lang="en-US" dirty="0" err="1"/>
@@ -7752,19 +8759,43 @@
             </a:r>
             <a:r>
               <a:rPr lang="en-US" dirty="0"/>
-              <a:t> ∈ N } )</a:t>
-            </a:r>
-          </a:p>
-          <a:p>
-            <a:r>
-              <a:rPr lang="en-US" dirty="0"/>
-              <a:t>Diploma (True, False)</a:t>
-            </a:r>
-          </a:p>
-          <a:p>
-            <a:r>
-              <a:rPr lang="en-US" dirty="0"/>
-              <a:t>Food Ticket (True, False)</a:t>
+              <a:t> ∈ N };     </a:t>
+            </a:r>
+            <a:r>
+              <a:rPr lang="en-US" dirty="0" err="1"/>
+              <a:t>alegem</a:t>
+            </a:r>
+            <a:r>
+              <a:rPr lang="en-US" dirty="0"/>
+              <a:t> r = 500</a:t>
+            </a:r>
+          </a:p>
+          <a:p>
+            <a:r>
+              <a:rPr lang="en-US" dirty="0"/>
+              <a:t>Diploma (True, False);						 </a:t>
+            </a:r>
+            <a:r>
+              <a:rPr lang="en-US" dirty="0" err="1"/>
+              <a:t>alegem</a:t>
+            </a:r>
+            <a:r>
+              <a:rPr lang="en-US" dirty="0"/>
+              <a:t> di1 = True, di2 = False</a:t>
+            </a:r>
+          </a:p>
+          <a:p>
+            <a:r>
+              <a:rPr lang="en-US" dirty="0"/>
+              <a:t>Food Ticket (True, False);                                    </a:t>
+            </a:r>
+            <a:r>
+              <a:rPr lang="en-US" dirty="0" err="1"/>
+              <a:t>alegem</a:t>
+            </a:r>
+            <a:r>
+              <a:rPr lang="en-US" dirty="0"/>
+              <a:t> f1 = True, f2 = False</a:t>
             </a:r>
           </a:p>
           <a:p>
@@ -7805,7 +8836,60 @@
             </a:r>
             <a:r>
               <a:rPr lang="en-US" dirty="0"/>
-              <a:t> (3 x 2 x 1 x 2 x 2)</a:t>
+              <a:t> (3 x 2 x 1 x 2 x 2).</a:t>
+            </a:r>
+          </a:p>
+          <a:p>
+            <a:pPr marL="0" indent="0">
+              <a:buNone/>
+            </a:pPr>
+            <a:r>
+              <a:rPr lang="en-US" dirty="0" err="1"/>
+              <a:t>Acesta</a:t>
+            </a:r>
+            <a:r>
+              <a:rPr lang="en-US" dirty="0"/>
+              <a:t> </a:t>
+            </a:r>
+            <a:r>
+              <a:rPr lang="en-US" dirty="0" err="1"/>
+              <a:t>este</a:t>
+            </a:r>
+            <a:r>
+              <a:rPr lang="en-US" dirty="0"/>
+              <a:t> </a:t>
+            </a:r>
+            <a:r>
+              <a:rPr lang="en-US" dirty="0" err="1"/>
+              <a:t>si</a:t>
+            </a:r>
+            <a:r>
+              <a:rPr lang="en-US" dirty="0"/>
+              <a:t> </a:t>
+            </a:r>
+            <a:r>
+              <a:rPr lang="en-US" dirty="0" err="1"/>
+              <a:t>numarul</a:t>
+            </a:r>
+            <a:r>
+              <a:rPr lang="en-US" dirty="0"/>
+              <a:t> de path-</a:t>
+            </a:r>
+            <a:r>
+              <a:rPr lang="en-US" dirty="0" err="1"/>
+              <a:t>uri</a:t>
+            </a:r>
+            <a:r>
+              <a:rPr lang="en-US" dirty="0"/>
+              <a:t> ale </a:t>
+            </a:r>
+            <a:r>
+              <a:rPr lang="en-US" dirty="0" err="1"/>
+              <a:t>programului</a:t>
+            </a:r>
+            <a:r>
+              <a:rPr lang="en-US" dirty="0"/>
+              <a:t>.</a:t>
             </a:r>
             <a:endParaRPr lang="LID4096" dirty="0"/>
           </a:p>
@@ -7981,40 +9065,160 @@
           </a:xfrm>
         </p:spPr>
         <p:txBody>
-          <a:bodyPr/>
+          <a:bodyPr>
+            <a:normAutofit/>
+          </a:bodyPr>
           <a:lstStyle/>
           <a:p>
+            <a:r>
+              <a:rPr lang="en-US" dirty="0" err="1"/>
+              <a:t>Salariu</a:t>
+            </a:r>
+            <a:r>
+              <a:rPr lang="en-US" dirty="0"/>
+              <a:t> (0 – 3000; 3001 – 6000; 6001+) =&gt; 5 </a:t>
+            </a:r>
+            <a:r>
+              <a:rPr lang="en-US" dirty="0" err="1"/>
+              <a:t>valori</a:t>
+            </a:r>
+            <a:endParaRPr lang="en-US" dirty="0"/>
+          </a:p>
+          <a:p>
+            <a:pPr lvl="1"/>
+            <a:r>
+              <a:rPr lang="en-US" dirty="0"/>
+              <a:t>S1: {0, 3000}, </a:t>
+            </a:r>
+          </a:p>
+          <a:p>
+            <a:pPr lvl="1"/>
+            <a:r>
+              <a:rPr lang="en-US" dirty="0"/>
+              <a:t>S2: {3001, 6000},</a:t>
+            </a:r>
+          </a:p>
+          <a:p>
+            <a:pPr lvl="1"/>
+            <a:r>
+              <a:rPr lang="en-US" dirty="0"/>
+              <a:t>S3: {6001} </a:t>
+            </a:r>
+          </a:p>
+          <a:p>
+            <a:r>
+              <a:rPr lang="en-US" dirty="0" err="1"/>
+              <a:t>Dividende</a:t>
+            </a:r>
+            <a:r>
+              <a:rPr lang="en-US" dirty="0"/>
+              <a:t> (0 – 10000; 10001+) =&gt; 3 </a:t>
+            </a:r>
+            <a:r>
+              <a:rPr lang="en-US" dirty="0" err="1"/>
+              <a:t>valori</a:t>
+            </a:r>
+            <a:endParaRPr lang="en-US" dirty="0"/>
+          </a:p>
+          <a:p>
+            <a:pPr lvl="1"/>
+            <a:r>
+              <a:rPr lang="en-US" dirty="0"/>
+              <a:t>D1: {0, 10000},  </a:t>
+            </a:r>
+          </a:p>
+          <a:p>
+            <a:pPr lvl="1"/>
+            <a:r>
+              <a:rPr lang="en-US" dirty="0"/>
+              <a:t>D2: {10001}</a:t>
+            </a:r>
+          </a:p>
+          <a:p>
             <a:pPr marL="0" indent="0">
               <a:buNone/>
             </a:pPr>
-            <a:r>
-              <a:rPr lang="en-US"/>
-              <a:t>Similar, valorile de frontiera sunt testate exhaustiv pentru toate posibilitatile, se taxeaza diferit pentru:</a:t>
-            </a:r>
-          </a:p>
-          <a:p>
-            <a:r>
-              <a:rPr lang="en-US"/>
-              <a:t>Salariu (low, 0 – 3000; medium, 3001 – 6000; high, 6001+)</a:t>
-            </a:r>
-          </a:p>
-          <a:p>
-            <a:r>
-              <a:rPr lang="en-US"/>
-              <a:t>Dividende (low, 0 – 10000; high, 10001+)</a:t>
-            </a:r>
+            <a:endParaRPr lang="en-US" dirty="0"/>
           </a:p>
           <a:p>
             <a:pPr marL="0" indent="0">
               <a:buNone/>
             </a:pPr>
             <a:r>
-              <a:rPr lang="en-US"/>
-              <a:t>In fiecare caz se testeaza valorile cele mai mici si cele mai mari din clasele de echivalenta pentru aceste intervale, iar in total au fost generate 15 teste pentru valorile de frontiera (5 x 3)</a:t>
-            </a:r>
-          </a:p>
-          <a:p>
-            <a:endParaRPr lang="en-US"/>
+              <a:rPr lang="en-US" dirty="0" err="1"/>
+              <a:t>Selectam</a:t>
+            </a:r>
+            <a:r>
+              <a:rPr lang="en-US" dirty="0"/>
+              <a:t> </a:t>
+            </a:r>
+            <a:r>
+              <a:rPr lang="en-US" dirty="0" err="1"/>
+              <a:t>valorile</a:t>
+            </a:r>
+            <a:r>
+              <a:rPr lang="en-US" dirty="0"/>
+              <a:t> </a:t>
+            </a:r>
+            <a:r>
+              <a:rPr lang="en-US" dirty="0" err="1"/>
+              <a:t>minime</a:t>
+            </a:r>
+            <a:r>
+              <a:rPr lang="en-US" dirty="0"/>
+              <a:t> </a:t>
+            </a:r>
+            <a:r>
+              <a:rPr lang="en-US" dirty="0" err="1"/>
+              <a:t>si</a:t>
+            </a:r>
+            <a:r>
+              <a:rPr lang="en-US" dirty="0"/>
+              <a:t> </a:t>
+            </a:r>
+            <a:r>
+              <a:rPr lang="en-US" dirty="0" err="1"/>
+              <a:t>maxime</a:t>
+            </a:r>
+            <a:r>
+              <a:rPr lang="en-US" dirty="0"/>
+              <a:t> </a:t>
+            </a:r>
+            <a:r>
+              <a:rPr lang="en-US" dirty="0" err="1"/>
+              <a:t>pentru</a:t>
+            </a:r>
+            <a:r>
+              <a:rPr lang="en-US" dirty="0"/>
+              <a:t> </a:t>
+            </a:r>
+            <a:r>
+              <a:rPr lang="en-US" dirty="0" err="1"/>
+              <a:t>fiecare</a:t>
+            </a:r>
+            <a:r>
+              <a:rPr lang="en-US" dirty="0"/>
+              <a:t> </a:t>
+            </a:r>
+            <a:r>
+              <a:rPr lang="en-US" dirty="0" err="1"/>
+              <a:t>clasa</a:t>
+            </a:r>
+            <a:r>
+              <a:rPr lang="en-US" dirty="0"/>
+              <a:t> de </a:t>
+            </a:r>
+            <a:r>
+              <a:rPr lang="en-US" dirty="0" err="1"/>
+              <a:t>echivalenta</a:t>
+            </a:r>
+            <a:r>
+              <a:rPr lang="en-US" dirty="0"/>
+              <a:t>. In total, sunt generate 15 teste (5 x 3)</a:t>
+            </a:r>
+          </a:p>
+          <a:p>
+            <a:endParaRPr lang="en-US" dirty="0"/>
           </a:p>
         </p:txBody>
       </p:sp>
